--- a/docs/סקר תיכון אמצע הפרוייקט.pptx
+++ b/docs/סקר תיכון אמצע הפרוייקט.pptx
@@ -6,13 +6,25 @@
     <p:sldMasterId id="2147483660" r:id="rId2"/>
   </p:sldMasterIdLst>
   <p:notesMasterIdLst>
-    <p:notesMasterId r:id="rId7"/>
+    <p:notesMasterId r:id="rId19"/>
   </p:notesMasterIdLst>
   <p:sldIdLst>
     <p:sldId id="259" r:id="rId3"/>
     <p:sldId id="260" r:id="rId4"/>
     <p:sldId id="261" r:id="rId5"/>
     <p:sldId id="262" r:id="rId6"/>
+    <p:sldId id="263" r:id="rId7"/>
+    <p:sldId id="264" r:id="rId8"/>
+    <p:sldId id="265" r:id="rId9"/>
+    <p:sldId id="266" r:id="rId10"/>
+    <p:sldId id="267" r:id="rId11"/>
+    <p:sldId id="268" r:id="rId12"/>
+    <p:sldId id="269" r:id="rId13"/>
+    <p:sldId id="270" r:id="rId14"/>
+    <p:sldId id="271" r:id="rId15"/>
+    <p:sldId id="272" r:id="rId16"/>
+    <p:sldId id="273" r:id="rId17"/>
+    <p:sldId id="274" r:id="rId18"/>
   </p:sldIdLst>
   <p:sldSz cx="9144000" cy="6858000" type="screen4x3"/>
   <p:notesSz cx="6858000" cy="9144000"/>
@@ -626,6 +638,615 @@
 </p:notes>
 </file>
 
+<file path=ppt/notesSlides/notesSlide10.xml><?xml version="1.0" encoding="utf-8"?>
+<p:notes xmlns:a="http://schemas.openxmlformats.org/drawingml/2006/main" xmlns:r="http://schemas.openxmlformats.org/officeDocument/2006/relationships" xmlns:p="http://schemas.openxmlformats.org/presentationml/2006/main">
+  <p:cSld>
+    <p:spTree>
+      <p:nvGrpSpPr>
+        <p:cNvPr id="1" name=""/>
+        <p:cNvGrpSpPr/>
+        <p:nvPr/>
+      </p:nvGrpSpPr>
+      <p:grpSpPr>
+        <a:xfrm>
+          <a:off x="0" y="0"/>
+          <a:ext cx="0" cy="0"/>
+          <a:chOff x="0" y="0"/>
+          <a:chExt cx="0" cy="0"/>
+        </a:xfrm>
+      </p:grpSpPr>
+      <p:sp>
+        <p:nvSpPr>
+          <p:cNvPr id="2" name="Slide Image Placeholder 1"/>
+          <p:cNvSpPr>
+            <a:spLocks noGrp="1" noRot="1" noChangeAspect="1"/>
+          </p:cNvSpPr>
+          <p:nvPr>
+            <p:ph type="sldImg"/>
+          </p:nvPr>
+        </p:nvSpPr>
+        <p:spPr/>
+      </p:sp>
+      <p:sp>
+        <p:nvSpPr>
+          <p:cNvPr id="3" name="Notes Placeholder 2"/>
+          <p:cNvSpPr>
+            <a:spLocks noGrp="1"/>
+          </p:cNvSpPr>
+          <p:nvPr>
+            <p:ph type="body" idx="1"/>
+          </p:nvPr>
+        </p:nvSpPr>
+        <p:spPr/>
+        <p:txBody>
+          <a:bodyPr>
+            <a:normAutofit/>
+          </a:bodyPr>
+          <a:lstStyle/>
+          <a:p>
+            <a:endParaRPr lang="he-IL"/>
+          </a:p>
+        </p:txBody>
+      </p:sp>
+      <p:sp>
+        <p:nvSpPr>
+          <p:cNvPr id="4" name="Slide Number Placeholder 3"/>
+          <p:cNvSpPr>
+            <a:spLocks noGrp="1"/>
+          </p:cNvSpPr>
+          <p:nvPr>
+            <p:ph type="sldNum" sz="quarter" idx="10"/>
+          </p:nvPr>
+        </p:nvSpPr>
+        <p:spPr/>
+        <p:txBody>
+          <a:bodyPr/>
+          <a:lstStyle/>
+          <a:p>
+            <a:pPr>
+              <a:defRPr/>
+            </a:pPr>
+            <a:fld id="{6965D90D-C347-4CC7-B03B-36FC5A99F4B5}" type="slidenum">
+              <a:rPr lang="he-IL" smtClean="0"/>
+              <a:pPr>
+                <a:defRPr/>
+              </a:pPr>
+              <a:t>10</a:t>
+            </a:fld>
+            <a:endParaRPr lang="he-IL"/>
+          </a:p>
+        </p:txBody>
+      </p:sp>
+    </p:spTree>
+  </p:cSld>
+  <p:clrMapOvr>
+    <a:masterClrMapping/>
+  </p:clrMapOvr>
+</p:notes>
+</file>
+
+<file path=ppt/notesSlides/notesSlide11.xml><?xml version="1.0" encoding="utf-8"?>
+<p:notes xmlns:a="http://schemas.openxmlformats.org/drawingml/2006/main" xmlns:r="http://schemas.openxmlformats.org/officeDocument/2006/relationships" xmlns:p="http://schemas.openxmlformats.org/presentationml/2006/main">
+  <p:cSld>
+    <p:spTree>
+      <p:nvGrpSpPr>
+        <p:cNvPr id="1" name=""/>
+        <p:cNvGrpSpPr/>
+        <p:nvPr/>
+      </p:nvGrpSpPr>
+      <p:grpSpPr>
+        <a:xfrm>
+          <a:off x="0" y="0"/>
+          <a:ext cx="0" cy="0"/>
+          <a:chOff x="0" y="0"/>
+          <a:chExt cx="0" cy="0"/>
+        </a:xfrm>
+      </p:grpSpPr>
+      <p:sp>
+        <p:nvSpPr>
+          <p:cNvPr id="2" name="Slide Image Placeholder 1"/>
+          <p:cNvSpPr>
+            <a:spLocks noGrp="1" noRot="1" noChangeAspect="1"/>
+          </p:cNvSpPr>
+          <p:nvPr>
+            <p:ph type="sldImg"/>
+          </p:nvPr>
+        </p:nvSpPr>
+        <p:spPr/>
+      </p:sp>
+      <p:sp>
+        <p:nvSpPr>
+          <p:cNvPr id="3" name="Notes Placeholder 2"/>
+          <p:cNvSpPr>
+            <a:spLocks noGrp="1"/>
+          </p:cNvSpPr>
+          <p:nvPr>
+            <p:ph type="body" idx="1"/>
+          </p:nvPr>
+        </p:nvSpPr>
+        <p:spPr/>
+        <p:txBody>
+          <a:bodyPr>
+            <a:normAutofit/>
+          </a:bodyPr>
+          <a:lstStyle/>
+          <a:p>
+            <a:endParaRPr lang="he-IL"/>
+          </a:p>
+        </p:txBody>
+      </p:sp>
+      <p:sp>
+        <p:nvSpPr>
+          <p:cNvPr id="4" name="Slide Number Placeholder 3"/>
+          <p:cNvSpPr>
+            <a:spLocks noGrp="1"/>
+          </p:cNvSpPr>
+          <p:nvPr>
+            <p:ph type="sldNum" sz="quarter" idx="10"/>
+          </p:nvPr>
+        </p:nvSpPr>
+        <p:spPr/>
+        <p:txBody>
+          <a:bodyPr/>
+          <a:lstStyle/>
+          <a:p>
+            <a:pPr>
+              <a:defRPr/>
+            </a:pPr>
+            <a:fld id="{6965D90D-C347-4CC7-B03B-36FC5A99F4B5}" type="slidenum">
+              <a:rPr lang="he-IL" smtClean="0"/>
+              <a:pPr>
+                <a:defRPr/>
+              </a:pPr>
+              <a:t>11</a:t>
+            </a:fld>
+            <a:endParaRPr lang="he-IL"/>
+          </a:p>
+        </p:txBody>
+      </p:sp>
+    </p:spTree>
+  </p:cSld>
+  <p:clrMapOvr>
+    <a:masterClrMapping/>
+  </p:clrMapOvr>
+</p:notes>
+</file>
+
+<file path=ppt/notesSlides/notesSlide12.xml><?xml version="1.0" encoding="utf-8"?>
+<p:notes xmlns:a="http://schemas.openxmlformats.org/drawingml/2006/main" xmlns:r="http://schemas.openxmlformats.org/officeDocument/2006/relationships" xmlns:p="http://schemas.openxmlformats.org/presentationml/2006/main">
+  <p:cSld>
+    <p:spTree>
+      <p:nvGrpSpPr>
+        <p:cNvPr id="1" name=""/>
+        <p:cNvGrpSpPr/>
+        <p:nvPr/>
+      </p:nvGrpSpPr>
+      <p:grpSpPr>
+        <a:xfrm>
+          <a:off x="0" y="0"/>
+          <a:ext cx="0" cy="0"/>
+          <a:chOff x="0" y="0"/>
+          <a:chExt cx="0" cy="0"/>
+        </a:xfrm>
+      </p:grpSpPr>
+      <p:sp>
+        <p:nvSpPr>
+          <p:cNvPr id="2" name="Slide Image Placeholder 1"/>
+          <p:cNvSpPr>
+            <a:spLocks noGrp="1" noRot="1" noChangeAspect="1"/>
+          </p:cNvSpPr>
+          <p:nvPr>
+            <p:ph type="sldImg"/>
+          </p:nvPr>
+        </p:nvSpPr>
+        <p:spPr/>
+      </p:sp>
+      <p:sp>
+        <p:nvSpPr>
+          <p:cNvPr id="3" name="Notes Placeholder 2"/>
+          <p:cNvSpPr>
+            <a:spLocks noGrp="1"/>
+          </p:cNvSpPr>
+          <p:nvPr>
+            <p:ph type="body" idx="1"/>
+          </p:nvPr>
+        </p:nvSpPr>
+        <p:spPr/>
+        <p:txBody>
+          <a:bodyPr>
+            <a:normAutofit/>
+          </a:bodyPr>
+          <a:lstStyle/>
+          <a:p>
+            <a:endParaRPr lang="he-IL"/>
+          </a:p>
+        </p:txBody>
+      </p:sp>
+      <p:sp>
+        <p:nvSpPr>
+          <p:cNvPr id="4" name="Slide Number Placeholder 3"/>
+          <p:cNvSpPr>
+            <a:spLocks noGrp="1"/>
+          </p:cNvSpPr>
+          <p:nvPr>
+            <p:ph type="sldNum" sz="quarter" idx="10"/>
+          </p:nvPr>
+        </p:nvSpPr>
+        <p:spPr/>
+        <p:txBody>
+          <a:bodyPr/>
+          <a:lstStyle/>
+          <a:p>
+            <a:pPr>
+              <a:defRPr/>
+            </a:pPr>
+            <a:fld id="{6965D90D-C347-4CC7-B03B-36FC5A99F4B5}" type="slidenum">
+              <a:rPr lang="he-IL" smtClean="0"/>
+              <a:pPr>
+                <a:defRPr/>
+              </a:pPr>
+              <a:t>12</a:t>
+            </a:fld>
+            <a:endParaRPr lang="he-IL"/>
+          </a:p>
+        </p:txBody>
+      </p:sp>
+    </p:spTree>
+  </p:cSld>
+  <p:clrMapOvr>
+    <a:masterClrMapping/>
+  </p:clrMapOvr>
+</p:notes>
+</file>
+
+<file path=ppt/notesSlides/notesSlide13.xml><?xml version="1.0" encoding="utf-8"?>
+<p:notes xmlns:a="http://schemas.openxmlformats.org/drawingml/2006/main" xmlns:r="http://schemas.openxmlformats.org/officeDocument/2006/relationships" xmlns:p="http://schemas.openxmlformats.org/presentationml/2006/main">
+  <p:cSld>
+    <p:spTree>
+      <p:nvGrpSpPr>
+        <p:cNvPr id="1" name=""/>
+        <p:cNvGrpSpPr/>
+        <p:nvPr/>
+      </p:nvGrpSpPr>
+      <p:grpSpPr>
+        <a:xfrm>
+          <a:off x="0" y="0"/>
+          <a:ext cx="0" cy="0"/>
+          <a:chOff x="0" y="0"/>
+          <a:chExt cx="0" cy="0"/>
+        </a:xfrm>
+      </p:grpSpPr>
+      <p:sp>
+        <p:nvSpPr>
+          <p:cNvPr id="2" name="Slide Image Placeholder 1"/>
+          <p:cNvSpPr>
+            <a:spLocks noGrp="1" noRot="1" noChangeAspect="1"/>
+          </p:cNvSpPr>
+          <p:nvPr>
+            <p:ph type="sldImg"/>
+          </p:nvPr>
+        </p:nvSpPr>
+        <p:spPr/>
+      </p:sp>
+      <p:sp>
+        <p:nvSpPr>
+          <p:cNvPr id="3" name="Notes Placeholder 2"/>
+          <p:cNvSpPr>
+            <a:spLocks noGrp="1"/>
+          </p:cNvSpPr>
+          <p:nvPr>
+            <p:ph type="body" idx="1"/>
+          </p:nvPr>
+        </p:nvSpPr>
+        <p:spPr/>
+        <p:txBody>
+          <a:bodyPr>
+            <a:normAutofit/>
+          </a:bodyPr>
+          <a:lstStyle/>
+          <a:p>
+            <a:endParaRPr lang="he-IL"/>
+          </a:p>
+        </p:txBody>
+      </p:sp>
+      <p:sp>
+        <p:nvSpPr>
+          <p:cNvPr id="4" name="Slide Number Placeholder 3"/>
+          <p:cNvSpPr>
+            <a:spLocks noGrp="1"/>
+          </p:cNvSpPr>
+          <p:nvPr>
+            <p:ph type="sldNum" sz="quarter" idx="10"/>
+          </p:nvPr>
+        </p:nvSpPr>
+        <p:spPr/>
+        <p:txBody>
+          <a:bodyPr/>
+          <a:lstStyle/>
+          <a:p>
+            <a:pPr>
+              <a:defRPr/>
+            </a:pPr>
+            <a:fld id="{6965D90D-C347-4CC7-B03B-36FC5A99F4B5}" type="slidenum">
+              <a:rPr lang="he-IL" smtClean="0"/>
+              <a:pPr>
+                <a:defRPr/>
+              </a:pPr>
+              <a:t>13</a:t>
+            </a:fld>
+            <a:endParaRPr lang="he-IL"/>
+          </a:p>
+        </p:txBody>
+      </p:sp>
+    </p:spTree>
+  </p:cSld>
+  <p:clrMapOvr>
+    <a:masterClrMapping/>
+  </p:clrMapOvr>
+</p:notes>
+</file>
+
+<file path=ppt/notesSlides/notesSlide14.xml><?xml version="1.0" encoding="utf-8"?>
+<p:notes xmlns:a="http://schemas.openxmlformats.org/drawingml/2006/main" xmlns:r="http://schemas.openxmlformats.org/officeDocument/2006/relationships" xmlns:p="http://schemas.openxmlformats.org/presentationml/2006/main">
+  <p:cSld>
+    <p:spTree>
+      <p:nvGrpSpPr>
+        <p:cNvPr id="1" name=""/>
+        <p:cNvGrpSpPr/>
+        <p:nvPr/>
+      </p:nvGrpSpPr>
+      <p:grpSpPr>
+        <a:xfrm>
+          <a:off x="0" y="0"/>
+          <a:ext cx="0" cy="0"/>
+          <a:chOff x="0" y="0"/>
+          <a:chExt cx="0" cy="0"/>
+        </a:xfrm>
+      </p:grpSpPr>
+      <p:sp>
+        <p:nvSpPr>
+          <p:cNvPr id="2" name="Slide Image Placeholder 1"/>
+          <p:cNvSpPr>
+            <a:spLocks noGrp="1" noRot="1" noChangeAspect="1"/>
+          </p:cNvSpPr>
+          <p:nvPr>
+            <p:ph type="sldImg"/>
+          </p:nvPr>
+        </p:nvSpPr>
+        <p:spPr/>
+      </p:sp>
+      <p:sp>
+        <p:nvSpPr>
+          <p:cNvPr id="3" name="Notes Placeholder 2"/>
+          <p:cNvSpPr>
+            <a:spLocks noGrp="1"/>
+          </p:cNvSpPr>
+          <p:nvPr>
+            <p:ph type="body" idx="1"/>
+          </p:nvPr>
+        </p:nvSpPr>
+        <p:spPr/>
+        <p:txBody>
+          <a:bodyPr>
+            <a:normAutofit/>
+          </a:bodyPr>
+          <a:lstStyle/>
+          <a:p>
+            <a:endParaRPr lang="he-IL"/>
+          </a:p>
+        </p:txBody>
+      </p:sp>
+      <p:sp>
+        <p:nvSpPr>
+          <p:cNvPr id="4" name="Slide Number Placeholder 3"/>
+          <p:cNvSpPr>
+            <a:spLocks noGrp="1"/>
+          </p:cNvSpPr>
+          <p:nvPr>
+            <p:ph type="sldNum" sz="quarter" idx="10"/>
+          </p:nvPr>
+        </p:nvSpPr>
+        <p:spPr/>
+        <p:txBody>
+          <a:bodyPr/>
+          <a:lstStyle/>
+          <a:p>
+            <a:pPr>
+              <a:defRPr/>
+            </a:pPr>
+            <a:fld id="{6965D90D-C347-4CC7-B03B-36FC5A99F4B5}" type="slidenum">
+              <a:rPr lang="he-IL" smtClean="0"/>
+              <a:pPr>
+                <a:defRPr/>
+              </a:pPr>
+              <a:t>14</a:t>
+            </a:fld>
+            <a:endParaRPr lang="he-IL"/>
+          </a:p>
+        </p:txBody>
+      </p:sp>
+    </p:spTree>
+  </p:cSld>
+  <p:clrMapOvr>
+    <a:masterClrMapping/>
+  </p:clrMapOvr>
+</p:notes>
+</file>
+
+<file path=ppt/notesSlides/notesSlide15.xml><?xml version="1.0" encoding="utf-8"?>
+<p:notes xmlns:a="http://schemas.openxmlformats.org/drawingml/2006/main" xmlns:r="http://schemas.openxmlformats.org/officeDocument/2006/relationships" xmlns:p="http://schemas.openxmlformats.org/presentationml/2006/main">
+  <p:cSld>
+    <p:spTree>
+      <p:nvGrpSpPr>
+        <p:cNvPr id="1" name=""/>
+        <p:cNvGrpSpPr/>
+        <p:nvPr/>
+      </p:nvGrpSpPr>
+      <p:grpSpPr>
+        <a:xfrm>
+          <a:off x="0" y="0"/>
+          <a:ext cx="0" cy="0"/>
+          <a:chOff x="0" y="0"/>
+          <a:chExt cx="0" cy="0"/>
+        </a:xfrm>
+      </p:grpSpPr>
+      <p:sp>
+        <p:nvSpPr>
+          <p:cNvPr id="2" name="Slide Image Placeholder 1"/>
+          <p:cNvSpPr>
+            <a:spLocks noGrp="1" noRot="1" noChangeAspect="1"/>
+          </p:cNvSpPr>
+          <p:nvPr>
+            <p:ph type="sldImg"/>
+          </p:nvPr>
+        </p:nvSpPr>
+        <p:spPr/>
+      </p:sp>
+      <p:sp>
+        <p:nvSpPr>
+          <p:cNvPr id="3" name="Notes Placeholder 2"/>
+          <p:cNvSpPr>
+            <a:spLocks noGrp="1"/>
+          </p:cNvSpPr>
+          <p:nvPr>
+            <p:ph type="body" idx="1"/>
+          </p:nvPr>
+        </p:nvSpPr>
+        <p:spPr/>
+        <p:txBody>
+          <a:bodyPr>
+            <a:normAutofit/>
+          </a:bodyPr>
+          <a:lstStyle/>
+          <a:p>
+            <a:endParaRPr lang="he-IL"/>
+          </a:p>
+        </p:txBody>
+      </p:sp>
+      <p:sp>
+        <p:nvSpPr>
+          <p:cNvPr id="4" name="Slide Number Placeholder 3"/>
+          <p:cNvSpPr>
+            <a:spLocks noGrp="1"/>
+          </p:cNvSpPr>
+          <p:nvPr>
+            <p:ph type="sldNum" sz="quarter" idx="10"/>
+          </p:nvPr>
+        </p:nvSpPr>
+        <p:spPr/>
+        <p:txBody>
+          <a:bodyPr/>
+          <a:lstStyle/>
+          <a:p>
+            <a:pPr>
+              <a:defRPr/>
+            </a:pPr>
+            <a:fld id="{6965D90D-C347-4CC7-B03B-36FC5A99F4B5}" type="slidenum">
+              <a:rPr lang="he-IL" smtClean="0"/>
+              <a:pPr>
+                <a:defRPr/>
+              </a:pPr>
+              <a:t>15</a:t>
+            </a:fld>
+            <a:endParaRPr lang="he-IL"/>
+          </a:p>
+        </p:txBody>
+      </p:sp>
+    </p:spTree>
+  </p:cSld>
+  <p:clrMapOvr>
+    <a:masterClrMapping/>
+  </p:clrMapOvr>
+</p:notes>
+</file>
+
+<file path=ppt/notesSlides/notesSlide16.xml><?xml version="1.0" encoding="utf-8"?>
+<p:notes xmlns:a="http://schemas.openxmlformats.org/drawingml/2006/main" xmlns:r="http://schemas.openxmlformats.org/officeDocument/2006/relationships" xmlns:p="http://schemas.openxmlformats.org/presentationml/2006/main">
+  <p:cSld>
+    <p:spTree>
+      <p:nvGrpSpPr>
+        <p:cNvPr id="1" name=""/>
+        <p:cNvGrpSpPr/>
+        <p:nvPr/>
+      </p:nvGrpSpPr>
+      <p:grpSpPr>
+        <a:xfrm>
+          <a:off x="0" y="0"/>
+          <a:ext cx="0" cy="0"/>
+          <a:chOff x="0" y="0"/>
+          <a:chExt cx="0" cy="0"/>
+        </a:xfrm>
+      </p:grpSpPr>
+      <p:sp>
+        <p:nvSpPr>
+          <p:cNvPr id="2" name="Slide Image Placeholder 1"/>
+          <p:cNvSpPr>
+            <a:spLocks noGrp="1" noRot="1" noChangeAspect="1"/>
+          </p:cNvSpPr>
+          <p:nvPr>
+            <p:ph type="sldImg"/>
+          </p:nvPr>
+        </p:nvSpPr>
+        <p:spPr/>
+      </p:sp>
+      <p:sp>
+        <p:nvSpPr>
+          <p:cNvPr id="3" name="Notes Placeholder 2"/>
+          <p:cNvSpPr>
+            <a:spLocks noGrp="1"/>
+          </p:cNvSpPr>
+          <p:nvPr>
+            <p:ph type="body" idx="1"/>
+          </p:nvPr>
+        </p:nvSpPr>
+        <p:spPr/>
+        <p:txBody>
+          <a:bodyPr>
+            <a:normAutofit/>
+          </a:bodyPr>
+          <a:lstStyle/>
+          <a:p>
+            <a:endParaRPr lang="he-IL"/>
+          </a:p>
+        </p:txBody>
+      </p:sp>
+      <p:sp>
+        <p:nvSpPr>
+          <p:cNvPr id="4" name="Slide Number Placeholder 3"/>
+          <p:cNvSpPr>
+            <a:spLocks noGrp="1"/>
+          </p:cNvSpPr>
+          <p:nvPr>
+            <p:ph type="sldNum" sz="quarter" idx="10"/>
+          </p:nvPr>
+        </p:nvSpPr>
+        <p:spPr/>
+        <p:txBody>
+          <a:bodyPr/>
+          <a:lstStyle/>
+          <a:p>
+            <a:pPr>
+              <a:defRPr/>
+            </a:pPr>
+            <a:fld id="{6965D90D-C347-4CC7-B03B-36FC5A99F4B5}" type="slidenum">
+              <a:rPr lang="he-IL" smtClean="0"/>
+              <a:pPr>
+                <a:defRPr/>
+              </a:pPr>
+              <a:t>16</a:t>
+            </a:fld>
+            <a:endParaRPr lang="he-IL"/>
+          </a:p>
+        </p:txBody>
+      </p:sp>
+    </p:spTree>
+  </p:cSld>
+  <p:clrMapOvr>
+    <a:masterClrMapping/>
+  </p:clrMapOvr>
+</p:notes>
+</file>
+
 <file path=ppt/notesSlides/notesSlide2.xml><?xml version="1.0" encoding="utf-8"?>
 <p:notes xmlns:a="http://schemas.openxmlformats.org/drawingml/2006/main" xmlns:r="http://schemas.openxmlformats.org/officeDocument/2006/relationships" xmlns:p="http://schemas.openxmlformats.org/presentationml/2006/main">
   <p:cSld>
@@ -874,6 +1495,441 @@
                 <a:defRPr/>
               </a:pPr>
               <a:t>4</a:t>
+            </a:fld>
+            <a:endParaRPr lang="he-IL"/>
+          </a:p>
+        </p:txBody>
+      </p:sp>
+    </p:spTree>
+  </p:cSld>
+  <p:clrMapOvr>
+    <a:masterClrMapping/>
+  </p:clrMapOvr>
+</p:notes>
+</file>
+
+<file path=ppt/notesSlides/notesSlide5.xml><?xml version="1.0" encoding="utf-8"?>
+<p:notes xmlns:a="http://schemas.openxmlformats.org/drawingml/2006/main" xmlns:r="http://schemas.openxmlformats.org/officeDocument/2006/relationships" xmlns:p="http://schemas.openxmlformats.org/presentationml/2006/main">
+  <p:cSld>
+    <p:spTree>
+      <p:nvGrpSpPr>
+        <p:cNvPr id="1" name=""/>
+        <p:cNvGrpSpPr/>
+        <p:nvPr/>
+      </p:nvGrpSpPr>
+      <p:grpSpPr>
+        <a:xfrm>
+          <a:off x="0" y="0"/>
+          <a:ext cx="0" cy="0"/>
+          <a:chOff x="0" y="0"/>
+          <a:chExt cx="0" cy="0"/>
+        </a:xfrm>
+      </p:grpSpPr>
+      <p:sp>
+        <p:nvSpPr>
+          <p:cNvPr id="2" name="Slide Image Placeholder 1"/>
+          <p:cNvSpPr>
+            <a:spLocks noGrp="1" noRot="1" noChangeAspect="1"/>
+          </p:cNvSpPr>
+          <p:nvPr>
+            <p:ph type="sldImg"/>
+          </p:nvPr>
+        </p:nvSpPr>
+        <p:spPr/>
+      </p:sp>
+      <p:sp>
+        <p:nvSpPr>
+          <p:cNvPr id="3" name="Notes Placeholder 2"/>
+          <p:cNvSpPr>
+            <a:spLocks noGrp="1"/>
+          </p:cNvSpPr>
+          <p:nvPr>
+            <p:ph type="body" idx="1"/>
+          </p:nvPr>
+        </p:nvSpPr>
+        <p:spPr/>
+        <p:txBody>
+          <a:bodyPr>
+            <a:normAutofit/>
+          </a:bodyPr>
+          <a:lstStyle/>
+          <a:p>
+            <a:endParaRPr lang="he-IL"/>
+          </a:p>
+        </p:txBody>
+      </p:sp>
+      <p:sp>
+        <p:nvSpPr>
+          <p:cNvPr id="4" name="Slide Number Placeholder 3"/>
+          <p:cNvSpPr>
+            <a:spLocks noGrp="1"/>
+          </p:cNvSpPr>
+          <p:nvPr>
+            <p:ph type="sldNum" sz="quarter" idx="10"/>
+          </p:nvPr>
+        </p:nvSpPr>
+        <p:spPr/>
+        <p:txBody>
+          <a:bodyPr/>
+          <a:lstStyle/>
+          <a:p>
+            <a:pPr>
+              <a:defRPr/>
+            </a:pPr>
+            <a:fld id="{6965D90D-C347-4CC7-B03B-36FC5A99F4B5}" type="slidenum">
+              <a:rPr lang="he-IL" smtClean="0"/>
+              <a:pPr>
+                <a:defRPr/>
+              </a:pPr>
+              <a:t>5</a:t>
+            </a:fld>
+            <a:endParaRPr lang="he-IL"/>
+          </a:p>
+        </p:txBody>
+      </p:sp>
+    </p:spTree>
+  </p:cSld>
+  <p:clrMapOvr>
+    <a:masterClrMapping/>
+  </p:clrMapOvr>
+</p:notes>
+</file>
+
+<file path=ppt/notesSlides/notesSlide6.xml><?xml version="1.0" encoding="utf-8"?>
+<p:notes xmlns:a="http://schemas.openxmlformats.org/drawingml/2006/main" xmlns:r="http://schemas.openxmlformats.org/officeDocument/2006/relationships" xmlns:p="http://schemas.openxmlformats.org/presentationml/2006/main">
+  <p:cSld>
+    <p:spTree>
+      <p:nvGrpSpPr>
+        <p:cNvPr id="1" name=""/>
+        <p:cNvGrpSpPr/>
+        <p:nvPr/>
+      </p:nvGrpSpPr>
+      <p:grpSpPr>
+        <a:xfrm>
+          <a:off x="0" y="0"/>
+          <a:ext cx="0" cy="0"/>
+          <a:chOff x="0" y="0"/>
+          <a:chExt cx="0" cy="0"/>
+        </a:xfrm>
+      </p:grpSpPr>
+      <p:sp>
+        <p:nvSpPr>
+          <p:cNvPr id="2" name="Slide Image Placeholder 1"/>
+          <p:cNvSpPr>
+            <a:spLocks noGrp="1" noRot="1" noChangeAspect="1"/>
+          </p:cNvSpPr>
+          <p:nvPr>
+            <p:ph type="sldImg"/>
+          </p:nvPr>
+        </p:nvSpPr>
+        <p:spPr/>
+      </p:sp>
+      <p:sp>
+        <p:nvSpPr>
+          <p:cNvPr id="3" name="Notes Placeholder 2"/>
+          <p:cNvSpPr>
+            <a:spLocks noGrp="1"/>
+          </p:cNvSpPr>
+          <p:nvPr>
+            <p:ph type="body" idx="1"/>
+          </p:nvPr>
+        </p:nvSpPr>
+        <p:spPr/>
+        <p:txBody>
+          <a:bodyPr>
+            <a:normAutofit/>
+          </a:bodyPr>
+          <a:lstStyle/>
+          <a:p>
+            <a:endParaRPr lang="he-IL"/>
+          </a:p>
+        </p:txBody>
+      </p:sp>
+      <p:sp>
+        <p:nvSpPr>
+          <p:cNvPr id="4" name="Slide Number Placeholder 3"/>
+          <p:cNvSpPr>
+            <a:spLocks noGrp="1"/>
+          </p:cNvSpPr>
+          <p:nvPr>
+            <p:ph type="sldNum" sz="quarter" idx="10"/>
+          </p:nvPr>
+        </p:nvSpPr>
+        <p:spPr/>
+        <p:txBody>
+          <a:bodyPr/>
+          <a:lstStyle/>
+          <a:p>
+            <a:pPr>
+              <a:defRPr/>
+            </a:pPr>
+            <a:fld id="{6965D90D-C347-4CC7-B03B-36FC5A99F4B5}" type="slidenum">
+              <a:rPr lang="he-IL" smtClean="0"/>
+              <a:pPr>
+                <a:defRPr/>
+              </a:pPr>
+              <a:t>6</a:t>
+            </a:fld>
+            <a:endParaRPr lang="he-IL"/>
+          </a:p>
+        </p:txBody>
+      </p:sp>
+    </p:spTree>
+  </p:cSld>
+  <p:clrMapOvr>
+    <a:masterClrMapping/>
+  </p:clrMapOvr>
+</p:notes>
+</file>
+
+<file path=ppt/notesSlides/notesSlide7.xml><?xml version="1.0" encoding="utf-8"?>
+<p:notes xmlns:a="http://schemas.openxmlformats.org/drawingml/2006/main" xmlns:r="http://schemas.openxmlformats.org/officeDocument/2006/relationships" xmlns:p="http://schemas.openxmlformats.org/presentationml/2006/main">
+  <p:cSld>
+    <p:spTree>
+      <p:nvGrpSpPr>
+        <p:cNvPr id="1" name=""/>
+        <p:cNvGrpSpPr/>
+        <p:nvPr/>
+      </p:nvGrpSpPr>
+      <p:grpSpPr>
+        <a:xfrm>
+          <a:off x="0" y="0"/>
+          <a:ext cx="0" cy="0"/>
+          <a:chOff x="0" y="0"/>
+          <a:chExt cx="0" cy="0"/>
+        </a:xfrm>
+      </p:grpSpPr>
+      <p:sp>
+        <p:nvSpPr>
+          <p:cNvPr id="2" name="Slide Image Placeholder 1"/>
+          <p:cNvSpPr>
+            <a:spLocks noGrp="1" noRot="1" noChangeAspect="1"/>
+          </p:cNvSpPr>
+          <p:nvPr>
+            <p:ph type="sldImg"/>
+          </p:nvPr>
+        </p:nvSpPr>
+        <p:spPr/>
+      </p:sp>
+      <p:sp>
+        <p:nvSpPr>
+          <p:cNvPr id="3" name="Notes Placeholder 2"/>
+          <p:cNvSpPr>
+            <a:spLocks noGrp="1"/>
+          </p:cNvSpPr>
+          <p:nvPr>
+            <p:ph type="body" idx="1"/>
+          </p:nvPr>
+        </p:nvSpPr>
+        <p:spPr/>
+        <p:txBody>
+          <a:bodyPr>
+            <a:normAutofit/>
+          </a:bodyPr>
+          <a:lstStyle/>
+          <a:p>
+            <a:endParaRPr lang="he-IL"/>
+          </a:p>
+        </p:txBody>
+      </p:sp>
+      <p:sp>
+        <p:nvSpPr>
+          <p:cNvPr id="4" name="Slide Number Placeholder 3"/>
+          <p:cNvSpPr>
+            <a:spLocks noGrp="1"/>
+          </p:cNvSpPr>
+          <p:nvPr>
+            <p:ph type="sldNum" sz="quarter" idx="10"/>
+          </p:nvPr>
+        </p:nvSpPr>
+        <p:spPr/>
+        <p:txBody>
+          <a:bodyPr/>
+          <a:lstStyle/>
+          <a:p>
+            <a:pPr>
+              <a:defRPr/>
+            </a:pPr>
+            <a:fld id="{6965D90D-C347-4CC7-B03B-36FC5A99F4B5}" type="slidenum">
+              <a:rPr lang="he-IL" smtClean="0"/>
+              <a:pPr>
+                <a:defRPr/>
+              </a:pPr>
+              <a:t>7</a:t>
+            </a:fld>
+            <a:endParaRPr lang="he-IL"/>
+          </a:p>
+        </p:txBody>
+      </p:sp>
+    </p:spTree>
+  </p:cSld>
+  <p:clrMapOvr>
+    <a:masterClrMapping/>
+  </p:clrMapOvr>
+</p:notes>
+</file>
+
+<file path=ppt/notesSlides/notesSlide8.xml><?xml version="1.0" encoding="utf-8"?>
+<p:notes xmlns:a="http://schemas.openxmlformats.org/drawingml/2006/main" xmlns:r="http://schemas.openxmlformats.org/officeDocument/2006/relationships" xmlns:p="http://schemas.openxmlformats.org/presentationml/2006/main">
+  <p:cSld>
+    <p:spTree>
+      <p:nvGrpSpPr>
+        <p:cNvPr id="1" name=""/>
+        <p:cNvGrpSpPr/>
+        <p:nvPr/>
+      </p:nvGrpSpPr>
+      <p:grpSpPr>
+        <a:xfrm>
+          <a:off x="0" y="0"/>
+          <a:ext cx="0" cy="0"/>
+          <a:chOff x="0" y="0"/>
+          <a:chExt cx="0" cy="0"/>
+        </a:xfrm>
+      </p:grpSpPr>
+      <p:sp>
+        <p:nvSpPr>
+          <p:cNvPr id="2" name="Slide Image Placeholder 1"/>
+          <p:cNvSpPr>
+            <a:spLocks noGrp="1" noRot="1" noChangeAspect="1"/>
+          </p:cNvSpPr>
+          <p:nvPr>
+            <p:ph type="sldImg"/>
+          </p:nvPr>
+        </p:nvSpPr>
+        <p:spPr/>
+      </p:sp>
+      <p:sp>
+        <p:nvSpPr>
+          <p:cNvPr id="3" name="Notes Placeholder 2"/>
+          <p:cNvSpPr>
+            <a:spLocks noGrp="1"/>
+          </p:cNvSpPr>
+          <p:nvPr>
+            <p:ph type="body" idx="1"/>
+          </p:nvPr>
+        </p:nvSpPr>
+        <p:spPr/>
+        <p:txBody>
+          <a:bodyPr>
+            <a:normAutofit/>
+          </a:bodyPr>
+          <a:lstStyle/>
+          <a:p>
+            <a:endParaRPr lang="he-IL"/>
+          </a:p>
+        </p:txBody>
+      </p:sp>
+      <p:sp>
+        <p:nvSpPr>
+          <p:cNvPr id="4" name="Slide Number Placeholder 3"/>
+          <p:cNvSpPr>
+            <a:spLocks noGrp="1"/>
+          </p:cNvSpPr>
+          <p:nvPr>
+            <p:ph type="sldNum" sz="quarter" idx="10"/>
+          </p:nvPr>
+        </p:nvSpPr>
+        <p:spPr/>
+        <p:txBody>
+          <a:bodyPr/>
+          <a:lstStyle/>
+          <a:p>
+            <a:pPr>
+              <a:defRPr/>
+            </a:pPr>
+            <a:fld id="{6965D90D-C347-4CC7-B03B-36FC5A99F4B5}" type="slidenum">
+              <a:rPr lang="he-IL" smtClean="0"/>
+              <a:pPr>
+                <a:defRPr/>
+              </a:pPr>
+              <a:t>8</a:t>
+            </a:fld>
+            <a:endParaRPr lang="he-IL"/>
+          </a:p>
+        </p:txBody>
+      </p:sp>
+    </p:spTree>
+  </p:cSld>
+  <p:clrMapOvr>
+    <a:masterClrMapping/>
+  </p:clrMapOvr>
+</p:notes>
+</file>
+
+<file path=ppt/notesSlides/notesSlide9.xml><?xml version="1.0" encoding="utf-8"?>
+<p:notes xmlns:a="http://schemas.openxmlformats.org/drawingml/2006/main" xmlns:r="http://schemas.openxmlformats.org/officeDocument/2006/relationships" xmlns:p="http://schemas.openxmlformats.org/presentationml/2006/main">
+  <p:cSld>
+    <p:spTree>
+      <p:nvGrpSpPr>
+        <p:cNvPr id="1" name=""/>
+        <p:cNvGrpSpPr/>
+        <p:nvPr/>
+      </p:nvGrpSpPr>
+      <p:grpSpPr>
+        <a:xfrm>
+          <a:off x="0" y="0"/>
+          <a:ext cx="0" cy="0"/>
+          <a:chOff x="0" y="0"/>
+          <a:chExt cx="0" cy="0"/>
+        </a:xfrm>
+      </p:grpSpPr>
+      <p:sp>
+        <p:nvSpPr>
+          <p:cNvPr id="2" name="Slide Image Placeholder 1"/>
+          <p:cNvSpPr>
+            <a:spLocks noGrp="1" noRot="1" noChangeAspect="1"/>
+          </p:cNvSpPr>
+          <p:nvPr>
+            <p:ph type="sldImg"/>
+          </p:nvPr>
+        </p:nvSpPr>
+        <p:spPr/>
+      </p:sp>
+      <p:sp>
+        <p:nvSpPr>
+          <p:cNvPr id="3" name="Notes Placeholder 2"/>
+          <p:cNvSpPr>
+            <a:spLocks noGrp="1"/>
+          </p:cNvSpPr>
+          <p:nvPr>
+            <p:ph type="body" idx="1"/>
+          </p:nvPr>
+        </p:nvSpPr>
+        <p:spPr/>
+        <p:txBody>
+          <a:bodyPr>
+            <a:normAutofit/>
+          </a:bodyPr>
+          <a:lstStyle/>
+          <a:p>
+            <a:endParaRPr lang="he-IL"/>
+          </a:p>
+        </p:txBody>
+      </p:sp>
+      <p:sp>
+        <p:nvSpPr>
+          <p:cNvPr id="4" name="Slide Number Placeholder 3"/>
+          <p:cNvSpPr>
+            <a:spLocks noGrp="1"/>
+          </p:cNvSpPr>
+          <p:nvPr>
+            <p:ph type="sldNum" sz="quarter" idx="10"/>
+          </p:nvPr>
+        </p:nvSpPr>
+        <p:spPr/>
+        <p:txBody>
+          <a:bodyPr/>
+          <a:lstStyle/>
+          <a:p>
+            <a:pPr>
+              <a:defRPr/>
+            </a:pPr>
+            <a:fld id="{6965D90D-C347-4CC7-B03B-36FC5A99F4B5}" type="slidenum">
+              <a:rPr lang="he-IL" smtClean="0"/>
+              <a:pPr>
+                <a:defRPr/>
+              </a:pPr>
+              <a:t>9</a:t>
             </a:fld>
             <a:endParaRPr lang="he-IL"/>
           </a:p>
@@ -7618,6 +8674,2080 @@
 </p:sld>
 </file>
 
+<file path=ppt/slides/slide10.xml><?xml version="1.0" encoding="utf-8"?>
+<p:sld xmlns:a="http://schemas.openxmlformats.org/drawingml/2006/main" xmlns:r="http://schemas.openxmlformats.org/officeDocument/2006/relationships" xmlns:p="http://schemas.openxmlformats.org/presentationml/2006/main">
+  <p:cSld>
+    <p:spTree>
+      <p:nvGrpSpPr>
+        <p:cNvPr id="1" name=""/>
+        <p:cNvGrpSpPr/>
+        <p:nvPr/>
+      </p:nvGrpSpPr>
+      <p:grpSpPr>
+        <a:xfrm>
+          <a:off x="0" y="0"/>
+          <a:ext cx="0" cy="0"/>
+          <a:chOff x="0" y="0"/>
+          <a:chExt cx="0" cy="0"/>
+        </a:xfrm>
+      </p:grpSpPr>
+      <p:sp>
+        <p:nvSpPr>
+          <p:cNvPr id="2" name="Title 1"/>
+          <p:cNvSpPr>
+            <a:spLocks noGrp="1"/>
+          </p:cNvSpPr>
+          <p:nvPr>
+            <p:ph type="title"/>
+          </p:nvPr>
+        </p:nvSpPr>
+        <p:spPr/>
+        <p:txBody>
+          <a:bodyPr/>
+          <a:lstStyle/>
+          <a:p>
+            <a:r>
+              <a:rPr lang="he-IL" dirty="0" smtClean="0"/>
+              <a:t>תכנון - המשך</a:t>
+            </a:r>
+            <a:endParaRPr lang="he-IL" dirty="0"/>
+          </a:p>
+        </p:txBody>
+      </p:sp>
+      <p:sp>
+        <p:nvSpPr>
+          <p:cNvPr id="49154" name="Rectangle 2"/>
+          <p:cNvSpPr>
+            <a:spLocks noChangeArrowheads="1"/>
+          </p:cNvSpPr>
+          <p:nvPr/>
+        </p:nvSpPr>
+        <p:spPr bwMode="auto">
+          <a:xfrm>
+            <a:off x="0" y="0"/>
+            <a:ext cx="9144000" cy="0"/>
+          </a:xfrm>
+          <a:prstGeom prst="rect">
+            <a:avLst/>
+          </a:prstGeom>
+          <a:noFill/>
+          <a:ln w="9525">
+            <a:noFill/>
+            <a:miter lim="800000"/>
+            <a:headEnd/>
+            <a:tailEnd/>
+          </a:ln>
+          <a:effectLst/>
+        </p:spPr>
+        <p:txBody>
+          <a:bodyPr vert="horz" wrap="none" lIns="91440" tIns="45720" rIns="91440" bIns="45720" numCol="1" anchor="ctr" anchorCtr="0" compatLnSpc="1">
+            <a:prstTxWarp prst="textNoShape">
+              <a:avLst/>
+            </a:prstTxWarp>
+            <a:spAutoFit/>
+          </a:bodyPr>
+          <a:lstStyle/>
+          <a:p>
+            <a:endParaRPr lang="he-IL"/>
+          </a:p>
+        </p:txBody>
+      </p:sp>
+      <p:graphicFrame>
+        <p:nvGraphicFramePr>
+          <p:cNvPr id="49153" name="Object 1"/>
+          <p:cNvGraphicFramePr>
+            <a:graphicFrameLocks noChangeAspect="1"/>
+          </p:cNvGraphicFramePr>
+          <p:nvPr/>
+        </p:nvGraphicFramePr>
+        <p:xfrm>
+          <a:off x="4419600" y="2362200"/>
+          <a:ext cx="4248150" cy="3476625"/>
+        </p:xfrm>
+        <a:graphic>
+          <a:graphicData uri="http://schemas.openxmlformats.org/presentationml/2006/ole">
+            <p:oleObj spid="_x0000_s49153" name="Visio" r:id="rId4" imgW="4250578" imgH="3520962" progId="Visio.Drawing.11">
+              <p:embed/>
+            </p:oleObj>
+          </a:graphicData>
+        </a:graphic>
+      </p:graphicFrame>
+      <p:sp>
+        <p:nvSpPr>
+          <p:cNvPr id="6" name="TextBox 5"/>
+          <p:cNvSpPr txBox="1"/>
+          <p:nvPr/>
+        </p:nvSpPr>
+        <p:spPr>
+          <a:xfrm>
+            <a:off x="5791200" y="1828800"/>
+            <a:ext cx="2971800" cy="369332"/>
+          </a:xfrm>
+          <a:prstGeom prst="rect">
+            <a:avLst/>
+          </a:prstGeom>
+          <a:noFill/>
+        </p:spPr>
+        <p:txBody>
+          <a:bodyPr wrap="square" rtlCol="1">
+            <a:spAutoFit/>
+          </a:bodyPr>
+          <a:lstStyle/>
+          <a:p>
+            <a:r>
+              <a:rPr lang="he-IL" dirty="0" smtClean="0"/>
+              <a:t>עריכת תסריט:</a:t>
+            </a:r>
+            <a:endParaRPr lang="he-IL" dirty="0"/>
+          </a:p>
+        </p:txBody>
+      </p:sp>
+    </p:spTree>
+  </p:cSld>
+  <p:clrMapOvr>
+    <a:masterClrMapping/>
+  </p:clrMapOvr>
+</p:sld>
+</file>
+
+<file path=ppt/slides/slide11.xml><?xml version="1.0" encoding="utf-8"?>
+<p:sld xmlns:a="http://schemas.openxmlformats.org/drawingml/2006/main" xmlns:r="http://schemas.openxmlformats.org/officeDocument/2006/relationships" xmlns:p="http://schemas.openxmlformats.org/presentationml/2006/main">
+  <p:cSld>
+    <p:spTree>
+      <p:nvGrpSpPr>
+        <p:cNvPr id="1" name=""/>
+        <p:cNvGrpSpPr/>
+        <p:nvPr/>
+      </p:nvGrpSpPr>
+      <p:grpSpPr>
+        <a:xfrm>
+          <a:off x="0" y="0"/>
+          <a:ext cx="0" cy="0"/>
+          <a:chOff x="0" y="0"/>
+          <a:chExt cx="0" cy="0"/>
+        </a:xfrm>
+      </p:grpSpPr>
+      <p:sp>
+        <p:nvSpPr>
+          <p:cNvPr id="2" name="Title 1"/>
+          <p:cNvSpPr>
+            <a:spLocks noGrp="1"/>
+          </p:cNvSpPr>
+          <p:nvPr>
+            <p:ph type="title"/>
+          </p:nvPr>
+        </p:nvSpPr>
+        <p:spPr/>
+        <p:txBody>
+          <a:bodyPr/>
+          <a:lstStyle/>
+          <a:p>
+            <a:r>
+              <a:rPr lang="he-IL" dirty="0" smtClean="0"/>
+              <a:t>תכנון - המשך</a:t>
+            </a:r>
+            <a:endParaRPr lang="he-IL" dirty="0"/>
+          </a:p>
+        </p:txBody>
+      </p:sp>
+      <p:sp>
+        <p:nvSpPr>
+          <p:cNvPr id="51202" name="Rectangle 2"/>
+          <p:cNvSpPr>
+            <a:spLocks noChangeArrowheads="1"/>
+          </p:cNvSpPr>
+          <p:nvPr/>
+        </p:nvSpPr>
+        <p:spPr bwMode="auto">
+          <a:xfrm>
+            <a:off x="0" y="0"/>
+            <a:ext cx="9144000" cy="0"/>
+          </a:xfrm>
+          <a:prstGeom prst="rect">
+            <a:avLst/>
+          </a:prstGeom>
+          <a:noFill/>
+          <a:ln w="9525">
+            <a:noFill/>
+            <a:miter lim="800000"/>
+            <a:headEnd/>
+            <a:tailEnd/>
+          </a:ln>
+          <a:effectLst/>
+        </p:spPr>
+        <p:txBody>
+          <a:bodyPr vert="horz" wrap="none" lIns="91440" tIns="45720" rIns="91440" bIns="45720" numCol="1" anchor="ctr" anchorCtr="0" compatLnSpc="1">
+            <a:prstTxWarp prst="textNoShape">
+              <a:avLst/>
+            </a:prstTxWarp>
+            <a:spAutoFit/>
+          </a:bodyPr>
+          <a:lstStyle/>
+          <a:p>
+            <a:endParaRPr lang="he-IL"/>
+          </a:p>
+        </p:txBody>
+      </p:sp>
+      <p:graphicFrame>
+        <p:nvGraphicFramePr>
+          <p:cNvPr id="51201" name="Object 1"/>
+          <p:cNvGraphicFramePr>
+            <a:graphicFrameLocks noChangeAspect="1"/>
+          </p:cNvGraphicFramePr>
+          <p:nvPr/>
+        </p:nvGraphicFramePr>
+        <p:xfrm>
+          <a:off x="2514600" y="2362200"/>
+          <a:ext cx="6210300" cy="3433797"/>
+        </p:xfrm>
+        <a:graphic>
+          <a:graphicData uri="http://schemas.openxmlformats.org/presentationml/2006/ole">
+            <p:oleObj spid="_x0000_s51201" name="Visio" r:id="rId4" imgW="6356143" imgH="3520962" progId="Visio.Drawing.11">
+              <p:embed/>
+            </p:oleObj>
+          </a:graphicData>
+        </a:graphic>
+      </p:graphicFrame>
+      <p:sp>
+        <p:nvSpPr>
+          <p:cNvPr id="6" name="TextBox 5"/>
+          <p:cNvSpPr txBox="1"/>
+          <p:nvPr/>
+        </p:nvSpPr>
+        <p:spPr>
+          <a:xfrm>
+            <a:off x="6781800" y="1828800"/>
+            <a:ext cx="1981200" cy="369332"/>
+          </a:xfrm>
+          <a:prstGeom prst="rect">
+            <a:avLst/>
+          </a:prstGeom>
+          <a:noFill/>
+        </p:spPr>
+        <p:txBody>
+          <a:bodyPr wrap="square" rtlCol="1">
+            <a:spAutoFit/>
+          </a:bodyPr>
+          <a:lstStyle/>
+          <a:p>
+            <a:r>
+              <a:rPr lang="he-IL" dirty="0" smtClean="0"/>
+              <a:t>הרצת תסריט:</a:t>
+            </a:r>
+            <a:endParaRPr lang="he-IL" dirty="0"/>
+          </a:p>
+        </p:txBody>
+      </p:sp>
+    </p:spTree>
+  </p:cSld>
+  <p:clrMapOvr>
+    <a:masterClrMapping/>
+  </p:clrMapOvr>
+</p:sld>
+</file>
+
+<file path=ppt/slides/slide12.xml><?xml version="1.0" encoding="utf-8"?>
+<p:sld xmlns:a="http://schemas.openxmlformats.org/drawingml/2006/main" xmlns:r="http://schemas.openxmlformats.org/officeDocument/2006/relationships" xmlns:p="http://schemas.openxmlformats.org/presentationml/2006/main">
+  <p:cSld>
+    <p:spTree>
+      <p:nvGrpSpPr>
+        <p:cNvPr id="1" name=""/>
+        <p:cNvGrpSpPr/>
+        <p:nvPr/>
+      </p:nvGrpSpPr>
+      <p:grpSpPr>
+        <a:xfrm>
+          <a:off x="0" y="0"/>
+          <a:ext cx="0" cy="0"/>
+          <a:chOff x="0" y="0"/>
+          <a:chExt cx="0" cy="0"/>
+        </a:xfrm>
+      </p:grpSpPr>
+      <p:sp>
+        <p:nvSpPr>
+          <p:cNvPr id="2" name="Title 1"/>
+          <p:cNvSpPr>
+            <a:spLocks noGrp="1"/>
+          </p:cNvSpPr>
+          <p:nvPr>
+            <p:ph type="title"/>
+          </p:nvPr>
+        </p:nvSpPr>
+        <p:spPr/>
+        <p:txBody>
+          <a:bodyPr/>
+          <a:lstStyle/>
+          <a:p>
+            <a:r>
+              <a:rPr lang="he-IL" dirty="0" smtClean="0"/>
+              <a:t>תכנון - המשך</a:t>
+            </a:r>
+            <a:endParaRPr lang="he-IL" dirty="0"/>
+          </a:p>
+        </p:txBody>
+      </p:sp>
+      <p:pic>
+        <p:nvPicPr>
+          <p:cNvPr id="52227" name="Picture 3"/>
+          <p:cNvPicPr>
+            <a:picLocks noChangeAspect="1" noChangeArrowheads="1"/>
+          </p:cNvPicPr>
+          <p:nvPr/>
+        </p:nvPicPr>
+        <p:blipFill>
+          <a:blip r:embed="rId3"/>
+          <a:srcRect/>
+          <a:stretch>
+            <a:fillRect/>
+          </a:stretch>
+        </p:blipFill>
+        <p:spPr bwMode="auto">
+          <a:xfrm>
+            <a:off x="228600" y="1219200"/>
+            <a:ext cx="1119621" cy="4224337"/>
+          </a:xfrm>
+          <a:prstGeom prst="rect">
+            <a:avLst/>
+          </a:prstGeom>
+          <a:noFill/>
+          <a:ln w="9525">
+            <a:noFill/>
+            <a:miter lim="800000"/>
+            <a:headEnd/>
+            <a:tailEnd/>
+          </a:ln>
+        </p:spPr>
+      </p:pic>
+      <p:sp>
+        <p:nvSpPr>
+          <p:cNvPr id="7" name="TextBox 6"/>
+          <p:cNvSpPr txBox="1"/>
+          <p:nvPr/>
+        </p:nvSpPr>
+        <p:spPr>
+          <a:xfrm>
+            <a:off x="4953000" y="1219200"/>
+            <a:ext cx="3505200" cy="369332"/>
+          </a:xfrm>
+          <a:prstGeom prst="rect">
+            <a:avLst/>
+          </a:prstGeom>
+          <a:noFill/>
+        </p:spPr>
+        <p:txBody>
+          <a:bodyPr wrap="square" rtlCol="1">
+            <a:spAutoFit/>
+          </a:bodyPr>
+          <a:lstStyle/>
+          <a:p>
+            <a:r>
+              <a:rPr lang="he-IL" dirty="0" smtClean="0"/>
+              <a:t>שכבת הגישה לבסיס הנתונים</a:t>
+            </a:r>
+            <a:endParaRPr lang="he-IL" dirty="0"/>
+          </a:p>
+        </p:txBody>
+      </p:sp>
+      <p:pic>
+        <p:nvPicPr>
+          <p:cNvPr id="52228" name="Picture 4" descr="C:\Documents and Settings\User-1\My Documents\לימודים\AutoWebAgentProject2009\AutoWebAgent\docs\ERD.JPG"/>
+          <p:cNvPicPr>
+            <a:picLocks noChangeAspect="1" noChangeArrowheads="1"/>
+          </p:cNvPicPr>
+          <p:nvPr/>
+        </p:nvPicPr>
+        <p:blipFill>
+          <a:blip r:embed="rId4"/>
+          <a:srcRect/>
+          <a:stretch>
+            <a:fillRect/>
+          </a:stretch>
+        </p:blipFill>
+        <p:spPr bwMode="auto">
+          <a:xfrm>
+            <a:off x="1447800" y="1600200"/>
+            <a:ext cx="6929700" cy="4038600"/>
+          </a:xfrm>
+          <a:prstGeom prst="rect">
+            <a:avLst/>
+          </a:prstGeom>
+          <a:noFill/>
+        </p:spPr>
+      </p:pic>
+    </p:spTree>
+  </p:cSld>
+  <p:clrMapOvr>
+    <a:masterClrMapping/>
+  </p:clrMapOvr>
+</p:sld>
+</file>
+
+<file path=ppt/slides/slide13.xml><?xml version="1.0" encoding="utf-8"?>
+<p:sld xmlns:a="http://schemas.openxmlformats.org/drawingml/2006/main" xmlns:r="http://schemas.openxmlformats.org/officeDocument/2006/relationships" xmlns:p="http://schemas.openxmlformats.org/presentationml/2006/main">
+  <p:cSld>
+    <p:spTree>
+      <p:nvGrpSpPr>
+        <p:cNvPr id="1" name=""/>
+        <p:cNvGrpSpPr/>
+        <p:nvPr/>
+      </p:nvGrpSpPr>
+      <p:grpSpPr>
+        <a:xfrm>
+          <a:off x="0" y="0"/>
+          <a:ext cx="0" cy="0"/>
+          <a:chOff x="0" y="0"/>
+          <a:chExt cx="0" cy="0"/>
+        </a:xfrm>
+      </p:grpSpPr>
+      <p:sp>
+        <p:nvSpPr>
+          <p:cNvPr id="2" name="Title 1"/>
+          <p:cNvSpPr>
+            <a:spLocks noGrp="1"/>
+          </p:cNvSpPr>
+          <p:nvPr>
+            <p:ph type="title"/>
+          </p:nvPr>
+        </p:nvSpPr>
+        <p:spPr/>
+        <p:txBody>
+          <a:bodyPr/>
+          <a:lstStyle/>
+          <a:p>
+            <a:r>
+              <a:rPr lang="he-IL" dirty="0" smtClean="0"/>
+              <a:t>תכנון - המשך</a:t>
+            </a:r>
+            <a:endParaRPr lang="he-IL" dirty="0"/>
+          </a:p>
+        </p:txBody>
+      </p:sp>
+      <p:pic>
+        <p:nvPicPr>
+          <p:cNvPr id="53250" name="Picture 2"/>
+          <p:cNvPicPr>
+            <a:picLocks noChangeAspect="1" noChangeArrowheads="1"/>
+          </p:cNvPicPr>
+          <p:nvPr/>
+        </p:nvPicPr>
+        <p:blipFill>
+          <a:blip r:embed="rId3"/>
+          <a:srcRect/>
+          <a:stretch>
+            <a:fillRect/>
+          </a:stretch>
+        </p:blipFill>
+        <p:spPr bwMode="auto">
+          <a:xfrm>
+            <a:off x="76200" y="1185408"/>
+            <a:ext cx="7653252" cy="4986792"/>
+          </a:xfrm>
+          <a:prstGeom prst="rect">
+            <a:avLst/>
+          </a:prstGeom>
+          <a:noFill/>
+          <a:ln w="9525">
+            <a:noFill/>
+            <a:miter lim="800000"/>
+            <a:headEnd/>
+            <a:tailEnd/>
+          </a:ln>
+        </p:spPr>
+      </p:pic>
+      <p:sp>
+        <p:nvSpPr>
+          <p:cNvPr id="5" name="TextBox 4"/>
+          <p:cNvSpPr txBox="1"/>
+          <p:nvPr/>
+        </p:nvSpPr>
+        <p:spPr>
+          <a:xfrm>
+            <a:off x="7543800" y="1371600"/>
+            <a:ext cx="1371600" cy="923330"/>
+          </a:xfrm>
+          <a:prstGeom prst="rect">
+            <a:avLst/>
+          </a:prstGeom>
+          <a:noFill/>
+        </p:spPr>
+        <p:txBody>
+          <a:bodyPr wrap="square" rtlCol="1">
+            <a:spAutoFit/>
+          </a:bodyPr>
+          <a:lstStyle/>
+          <a:p>
+            <a:r>
+              <a:rPr lang="he-IL" dirty="0" smtClean="0"/>
+              <a:t>יישומון להקלטת אלמנטים</a:t>
+            </a:r>
+            <a:endParaRPr lang="he-IL" dirty="0"/>
+          </a:p>
+        </p:txBody>
+      </p:sp>
+    </p:spTree>
+  </p:cSld>
+  <p:clrMapOvr>
+    <a:masterClrMapping/>
+  </p:clrMapOvr>
+</p:sld>
+</file>
+
+<file path=ppt/slides/slide14.xml><?xml version="1.0" encoding="utf-8"?>
+<p:sld xmlns:a="http://schemas.openxmlformats.org/drawingml/2006/main" xmlns:r="http://schemas.openxmlformats.org/officeDocument/2006/relationships" xmlns:p="http://schemas.openxmlformats.org/presentationml/2006/main">
+  <p:cSld>
+    <p:spTree>
+      <p:nvGrpSpPr>
+        <p:cNvPr id="1" name=""/>
+        <p:cNvGrpSpPr/>
+        <p:nvPr/>
+      </p:nvGrpSpPr>
+      <p:grpSpPr>
+        <a:xfrm>
+          <a:off x="0" y="0"/>
+          <a:ext cx="0" cy="0"/>
+          <a:chOff x="0" y="0"/>
+          <a:chExt cx="0" cy="0"/>
+        </a:xfrm>
+      </p:grpSpPr>
+      <p:sp>
+        <p:nvSpPr>
+          <p:cNvPr id="2" name="Title 1"/>
+          <p:cNvSpPr>
+            <a:spLocks noGrp="1"/>
+          </p:cNvSpPr>
+          <p:nvPr>
+            <p:ph type="title"/>
+          </p:nvPr>
+        </p:nvSpPr>
+        <p:spPr/>
+        <p:txBody>
+          <a:bodyPr/>
+          <a:lstStyle/>
+          <a:p>
+            <a:r>
+              <a:rPr lang="he-IL" dirty="0" smtClean="0"/>
+              <a:t>לבטים ובעיות</a:t>
+            </a:r>
+            <a:endParaRPr lang="he-IL" dirty="0"/>
+          </a:p>
+        </p:txBody>
+      </p:sp>
+      <p:sp>
+        <p:nvSpPr>
+          <p:cNvPr id="3" name="Content Placeholder 2"/>
+          <p:cNvSpPr>
+            <a:spLocks noGrp="1"/>
+          </p:cNvSpPr>
+          <p:nvPr>
+            <p:ph idx="1"/>
+          </p:nvPr>
+        </p:nvSpPr>
+        <p:spPr/>
+        <p:txBody>
+          <a:bodyPr/>
+          <a:lstStyle/>
+          <a:p>
+            <a:r>
+              <a:rPr lang="he-IL" dirty="0" smtClean="0"/>
+              <a:t>האם להשתמש בספריית קוד פתוח לחסכון בזמן פיתוח ובדיקות ?</a:t>
+            </a:r>
+          </a:p>
+          <a:p>
+            <a:r>
+              <a:rPr lang="he-IL" dirty="0" smtClean="0"/>
+              <a:t>באילו אתרים להתמקד בבדיקות ?</a:t>
+            </a:r>
+          </a:p>
+          <a:p>
+            <a:r>
+              <a:rPr lang="he-IL" dirty="0" smtClean="0"/>
+              <a:t>תכנון ממשק משתמש – עד כמה עיצובי הוא צריך להיות ?</a:t>
+            </a:r>
+          </a:p>
+          <a:p>
+            <a:r>
+              <a:rPr lang="he-IL" dirty="0" smtClean="0"/>
+              <a:t>בעיה – אין </a:t>
+            </a:r>
+            <a:r>
+              <a:rPr lang="en-US" dirty="0" smtClean="0"/>
+              <a:t>API</a:t>
+            </a:r>
+            <a:r>
+              <a:rPr lang="he-IL" smtClean="0"/>
+              <a:t> נוח </a:t>
+            </a:r>
+            <a:r>
+              <a:rPr lang="he-IL" dirty="0" smtClean="0"/>
+              <a:t>לאתרים שמשתמשים בטכנולגיות מסוג </a:t>
+            </a:r>
+            <a:r>
+              <a:rPr lang="en-US" dirty="0" smtClean="0"/>
+              <a:t>Flash, </a:t>
+            </a:r>
+            <a:r>
+              <a:rPr lang="en-US" dirty="0" err="1" smtClean="0"/>
+              <a:t>Silverlight</a:t>
+            </a:r>
+            <a:r>
+              <a:rPr lang="en-US" dirty="0" smtClean="0"/>
+              <a:t>, </a:t>
+            </a:r>
+            <a:r>
+              <a:rPr lang="en-US" dirty="0" err="1" smtClean="0"/>
+              <a:t>javaFX</a:t>
+            </a:r>
+            <a:r>
+              <a:rPr lang="he-IL" dirty="0" smtClean="0"/>
+              <a:t>.</a:t>
+            </a:r>
+            <a:endParaRPr lang="he-IL" dirty="0"/>
+          </a:p>
+        </p:txBody>
+      </p:sp>
+    </p:spTree>
+  </p:cSld>
+  <p:clrMapOvr>
+    <a:masterClrMapping/>
+  </p:clrMapOvr>
+</p:sld>
+</file>
+
+<file path=ppt/slides/slide15.xml><?xml version="1.0" encoding="utf-8"?>
+<p:sld xmlns:a="http://schemas.openxmlformats.org/drawingml/2006/main" xmlns:r="http://schemas.openxmlformats.org/officeDocument/2006/relationships" xmlns:p="http://schemas.openxmlformats.org/presentationml/2006/main">
+  <p:cSld>
+    <p:spTree>
+      <p:nvGrpSpPr>
+        <p:cNvPr id="1" name=""/>
+        <p:cNvGrpSpPr/>
+        <p:nvPr/>
+      </p:nvGrpSpPr>
+      <p:grpSpPr>
+        <a:xfrm>
+          <a:off x="0" y="0"/>
+          <a:ext cx="0" cy="0"/>
+          <a:chOff x="0" y="0"/>
+          <a:chExt cx="0" cy="0"/>
+        </a:xfrm>
+      </p:grpSpPr>
+      <p:sp>
+        <p:nvSpPr>
+          <p:cNvPr id="2" name="Title 1"/>
+          <p:cNvSpPr>
+            <a:spLocks noGrp="1"/>
+          </p:cNvSpPr>
+          <p:nvPr>
+            <p:ph type="title"/>
+          </p:nvPr>
+        </p:nvSpPr>
+        <p:spPr/>
+        <p:txBody>
+          <a:bodyPr/>
+          <a:lstStyle/>
+          <a:p>
+            <a:r>
+              <a:rPr lang="he-IL" dirty="0" smtClean="0"/>
+              <a:t>סיכונים ודרכי התמודדות</a:t>
+            </a:r>
+            <a:endParaRPr lang="he-IL" dirty="0"/>
+          </a:p>
+        </p:txBody>
+      </p:sp>
+      <p:graphicFrame>
+        <p:nvGraphicFramePr>
+          <p:cNvPr id="5" name="Table 4"/>
+          <p:cNvGraphicFramePr>
+            <a:graphicFrameLocks noGrp="1"/>
+          </p:cNvGraphicFramePr>
+          <p:nvPr/>
+        </p:nvGraphicFramePr>
+        <p:xfrm>
+          <a:off x="1866265" y="1874520"/>
+          <a:ext cx="5411470" cy="3108960"/>
+        </p:xfrm>
+        <a:graphic>
+          <a:graphicData uri="http://schemas.openxmlformats.org/drawingml/2006/table">
+            <a:tbl>
+              <a:tblPr rtl="1" firstRow="1"/>
+              <a:tblGrid>
+                <a:gridCol w="1352550"/>
+                <a:gridCol w="961390"/>
+                <a:gridCol w="1744345"/>
+                <a:gridCol w="1353185"/>
+              </a:tblGrid>
+              <a:tr h="0">
+                <a:tc>
+                  <a:txBody>
+                    <a:bodyPr/>
+                    <a:lstStyle/>
+                    <a:p>
+                      <a:pPr marL="182880" marR="0" algn="r" rtl="1">
+                        <a:spcBef>
+                          <a:spcPts val="0"/>
+                        </a:spcBef>
+                        <a:spcAft>
+                          <a:spcPts val="0"/>
+                        </a:spcAft>
+                      </a:pPr>
+                      <a:r>
+                        <a:rPr lang="he-IL" sz="1200" dirty="0">
+                          <a:latin typeface="Arial"/>
+                          <a:ea typeface="Times New Roman"/>
+                        </a:rPr>
+                        <a:t>סיכון</a:t>
+                      </a:r>
+                      <a:endParaRPr lang="en-US" sz="1200" dirty="0">
+                        <a:latin typeface="Arial"/>
+                        <a:ea typeface="Times New Roman"/>
+                      </a:endParaRPr>
+                    </a:p>
+                  </a:txBody>
+                  <a:tcPr marL="68580" marR="68580" marT="0" marB="0">
+                    <a:lnL w="12700" cap="flat" cmpd="sng" algn="ctr">
+                      <a:solidFill>
+                        <a:srgbClr val="000000"/>
+                      </a:solidFill>
+                      <a:prstDash val="solid"/>
+                      <a:round/>
+                      <a:headEnd type="none" w="med" len="med"/>
+                      <a:tailEnd type="none" w="med" len="med"/>
+                    </a:lnL>
+                    <a:lnR w="12700" cap="flat" cmpd="sng" algn="ctr">
+                      <a:solidFill>
+                        <a:srgbClr val="000000"/>
+                      </a:solidFill>
+                      <a:prstDash val="solid"/>
+                      <a:round/>
+                      <a:headEnd type="none" w="med" len="med"/>
+                      <a:tailEnd type="none" w="med" len="med"/>
+                    </a:lnR>
+                    <a:lnT w="12700" cap="flat" cmpd="sng" algn="ctr">
+                      <a:solidFill>
+                        <a:srgbClr val="000000"/>
+                      </a:solidFill>
+                      <a:prstDash val="solid"/>
+                      <a:round/>
+                      <a:headEnd type="none" w="med" len="med"/>
+                      <a:tailEnd type="none" w="med" len="med"/>
+                    </a:lnT>
+                    <a:lnB w="12700" cap="flat" cmpd="sng" algn="ctr">
+                      <a:solidFill>
+                        <a:srgbClr val="000000"/>
+                      </a:solidFill>
+                      <a:prstDash val="solid"/>
+                      <a:round/>
+                      <a:headEnd type="none" w="med" len="med"/>
+                      <a:tailEnd type="none" w="med" len="med"/>
+                    </a:lnB>
+                  </a:tcPr>
+                </a:tc>
+                <a:tc>
+                  <a:txBody>
+                    <a:bodyPr/>
+                    <a:lstStyle/>
+                    <a:p>
+                      <a:pPr marL="182880" marR="0" algn="r" rtl="1">
+                        <a:spcBef>
+                          <a:spcPts val="0"/>
+                        </a:spcBef>
+                        <a:spcAft>
+                          <a:spcPts val="0"/>
+                        </a:spcAft>
+                      </a:pPr>
+                      <a:r>
+                        <a:rPr lang="he-IL" sz="1200">
+                          <a:latin typeface="Arial"/>
+                          <a:ea typeface="Times New Roman"/>
+                        </a:rPr>
+                        <a:t>סיכוי</a:t>
+                      </a:r>
+                      <a:endParaRPr lang="en-US" sz="1200">
+                        <a:latin typeface="Arial"/>
+                        <a:ea typeface="Times New Roman"/>
+                      </a:endParaRPr>
+                    </a:p>
+                  </a:txBody>
+                  <a:tcPr marL="68580" marR="68580" marT="0" marB="0">
+                    <a:lnL w="12700" cap="flat" cmpd="sng" algn="ctr">
+                      <a:solidFill>
+                        <a:srgbClr val="000000"/>
+                      </a:solidFill>
+                      <a:prstDash val="solid"/>
+                      <a:round/>
+                      <a:headEnd type="none" w="med" len="med"/>
+                      <a:tailEnd type="none" w="med" len="med"/>
+                    </a:lnL>
+                    <a:lnR w="12700" cap="flat" cmpd="sng" algn="ctr">
+                      <a:solidFill>
+                        <a:srgbClr val="000000"/>
+                      </a:solidFill>
+                      <a:prstDash val="solid"/>
+                      <a:round/>
+                      <a:headEnd type="none" w="med" len="med"/>
+                      <a:tailEnd type="none" w="med" len="med"/>
+                    </a:lnR>
+                    <a:lnT w="12700" cap="flat" cmpd="sng" algn="ctr">
+                      <a:solidFill>
+                        <a:srgbClr val="000000"/>
+                      </a:solidFill>
+                      <a:prstDash val="solid"/>
+                      <a:round/>
+                      <a:headEnd type="none" w="med" len="med"/>
+                      <a:tailEnd type="none" w="med" len="med"/>
+                    </a:lnT>
+                    <a:lnB w="12700" cap="flat" cmpd="sng" algn="ctr">
+                      <a:solidFill>
+                        <a:srgbClr val="000000"/>
+                      </a:solidFill>
+                      <a:prstDash val="solid"/>
+                      <a:round/>
+                      <a:headEnd type="none" w="med" len="med"/>
+                      <a:tailEnd type="none" w="med" len="med"/>
+                    </a:lnB>
+                  </a:tcPr>
+                </a:tc>
+                <a:tc>
+                  <a:txBody>
+                    <a:bodyPr/>
+                    <a:lstStyle/>
+                    <a:p>
+                      <a:pPr marL="182880" marR="0" algn="r" rtl="1">
+                        <a:spcBef>
+                          <a:spcPts val="0"/>
+                        </a:spcBef>
+                        <a:spcAft>
+                          <a:spcPts val="0"/>
+                        </a:spcAft>
+                      </a:pPr>
+                      <a:r>
+                        <a:rPr lang="he-IL" sz="1200">
+                          <a:latin typeface="Arial"/>
+                          <a:ea typeface="Times New Roman"/>
+                        </a:rPr>
+                        <a:t>השפעה</a:t>
+                      </a:r>
+                      <a:endParaRPr lang="en-US" sz="1200">
+                        <a:latin typeface="Arial"/>
+                        <a:ea typeface="Times New Roman"/>
+                      </a:endParaRPr>
+                    </a:p>
+                  </a:txBody>
+                  <a:tcPr marL="68580" marR="68580" marT="0" marB="0">
+                    <a:lnL w="12700" cap="flat" cmpd="sng" algn="ctr">
+                      <a:solidFill>
+                        <a:srgbClr val="000000"/>
+                      </a:solidFill>
+                      <a:prstDash val="solid"/>
+                      <a:round/>
+                      <a:headEnd type="none" w="med" len="med"/>
+                      <a:tailEnd type="none" w="med" len="med"/>
+                    </a:lnL>
+                    <a:lnR w="12700" cap="flat" cmpd="sng" algn="ctr">
+                      <a:solidFill>
+                        <a:srgbClr val="000000"/>
+                      </a:solidFill>
+                      <a:prstDash val="solid"/>
+                      <a:round/>
+                      <a:headEnd type="none" w="med" len="med"/>
+                      <a:tailEnd type="none" w="med" len="med"/>
+                    </a:lnR>
+                    <a:lnT w="12700" cap="flat" cmpd="sng" algn="ctr">
+                      <a:solidFill>
+                        <a:srgbClr val="000000"/>
+                      </a:solidFill>
+                      <a:prstDash val="solid"/>
+                      <a:round/>
+                      <a:headEnd type="none" w="med" len="med"/>
+                      <a:tailEnd type="none" w="med" len="med"/>
+                    </a:lnT>
+                    <a:lnB w="12700" cap="flat" cmpd="sng" algn="ctr">
+                      <a:solidFill>
+                        <a:srgbClr val="000000"/>
+                      </a:solidFill>
+                      <a:prstDash val="solid"/>
+                      <a:round/>
+                      <a:headEnd type="none" w="med" len="med"/>
+                      <a:tailEnd type="none" w="med" len="med"/>
+                    </a:lnB>
+                  </a:tcPr>
+                </a:tc>
+                <a:tc>
+                  <a:txBody>
+                    <a:bodyPr/>
+                    <a:lstStyle/>
+                    <a:p>
+                      <a:pPr marL="182880" marR="0" algn="r" rtl="1">
+                        <a:spcBef>
+                          <a:spcPts val="0"/>
+                        </a:spcBef>
+                        <a:spcAft>
+                          <a:spcPts val="0"/>
+                        </a:spcAft>
+                      </a:pPr>
+                      <a:r>
+                        <a:rPr lang="he-IL" sz="1200">
+                          <a:latin typeface="Arial"/>
+                          <a:ea typeface="Times New Roman"/>
+                        </a:rPr>
+                        <a:t>דרך מניעה</a:t>
+                      </a:r>
+                      <a:endParaRPr lang="en-US" sz="1200">
+                        <a:latin typeface="Arial"/>
+                        <a:ea typeface="Times New Roman"/>
+                      </a:endParaRPr>
+                    </a:p>
+                  </a:txBody>
+                  <a:tcPr marL="68580" marR="68580" marT="0" marB="0">
+                    <a:lnL w="12700" cap="flat" cmpd="sng" algn="ctr">
+                      <a:solidFill>
+                        <a:srgbClr val="000000"/>
+                      </a:solidFill>
+                      <a:prstDash val="solid"/>
+                      <a:round/>
+                      <a:headEnd type="none" w="med" len="med"/>
+                      <a:tailEnd type="none" w="med" len="med"/>
+                    </a:lnL>
+                    <a:lnR w="12700" cap="flat" cmpd="sng" algn="ctr">
+                      <a:solidFill>
+                        <a:srgbClr val="000000"/>
+                      </a:solidFill>
+                      <a:prstDash val="solid"/>
+                      <a:round/>
+                      <a:headEnd type="none" w="med" len="med"/>
+                      <a:tailEnd type="none" w="med" len="med"/>
+                    </a:lnR>
+                    <a:lnT w="12700" cap="flat" cmpd="sng" algn="ctr">
+                      <a:solidFill>
+                        <a:srgbClr val="000000"/>
+                      </a:solidFill>
+                      <a:prstDash val="solid"/>
+                      <a:round/>
+                      <a:headEnd type="none" w="med" len="med"/>
+                      <a:tailEnd type="none" w="med" len="med"/>
+                    </a:lnT>
+                    <a:lnB w="12700" cap="flat" cmpd="sng" algn="ctr">
+                      <a:solidFill>
+                        <a:srgbClr val="000000"/>
+                      </a:solidFill>
+                      <a:prstDash val="solid"/>
+                      <a:round/>
+                      <a:headEnd type="none" w="med" len="med"/>
+                      <a:tailEnd type="none" w="med" len="med"/>
+                    </a:lnB>
+                  </a:tcPr>
+                </a:tc>
+              </a:tr>
+              <a:tr h="0">
+                <a:tc>
+                  <a:txBody>
+                    <a:bodyPr/>
+                    <a:lstStyle/>
+                    <a:p>
+                      <a:pPr marL="182880" marR="0" algn="r" rtl="1">
+                        <a:spcBef>
+                          <a:spcPts val="0"/>
+                        </a:spcBef>
+                        <a:spcAft>
+                          <a:spcPts val="0"/>
+                        </a:spcAft>
+                      </a:pPr>
+                      <a:r>
+                        <a:rPr lang="he-IL" sz="1200">
+                          <a:latin typeface="Arial"/>
+                          <a:ea typeface="Times New Roman"/>
+                        </a:rPr>
+                        <a:t>חריגה מלוחות זמנים</a:t>
+                      </a:r>
+                      <a:endParaRPr lang="en-US" sz="1200">
+                        <a:latin typeface="Arial"/>
+                        <a:ea typeface="Times New Roman"/>
+                      </a:endParaRPr>
+                    </a:p>
+                  </a:txBody>
+                  <a:tcPr marL="68580" marR="68580" marT="0" marB="0">
+                    <a:lnL w="12700" cap="flat" cmpd="sng" algn="ctr">
+                      <a:solidFill>
+                        <a:srgbClr val="000000"/>
+                      </a:solidFill>
+                      <a:prstDash val="solid"/>
+                      <a:round/>
+                      <a:headEnd type="none" w="med" len="med"/>
+                      <a:tailEnd type="none" w="med" len="med"/>
+                    </a:lnL>
+                    <a:lnR w="12700" cap="flat" cmpd="sng" algn="ctr">
+                      <a:solidFill>
+                        <a:srgbClr val="000000"/>
+                      </a:solidFill>
+                      <a:prstDash val="solid"/>
+                      <a:round/>
+                      <a:headEnd type="none" w="med" len="med"/>
+                      <a:tailEnd type="none" w="med" len="med"/>
+                    </a:lnR>
+                    <a:lnT w="12700" cap="flat" cmpd="sng" algn="ctr">
+                      <a:solidFill>
+                        <a:srgbClr val="000000"/>
+                      </a:solidFill>
+                      <a:prstDash val="solid"/>
+                      <a:round/>
+                      <a:headEnd type="none" w="med" len="med"/>
+                      <a:tailEnd type="none" w="med" len="med"/>
+                    </a:lnT>
+                    <a:lnB w="12700" cap="flat" cmpd="sng" algn="ctr">
+                      <a:solidFill>
+                        <a:srgbClr val="000000"/>
+                      </a:solidFill>
+                      <a:prstDash val="solid"/>
+                      <a:round/>
+                      <a:headEnd type="none" w="med" len="med"/>
+                      <a:tailEnd type="none" w="med" len="med"/>
+                    </a:lnB>
+                  </a:tcPr>
+                </a:tc>
+                <a:tc>
+                  <a:txBody>
+                    <a:bodyPr/>
+                    <a:lstStyle/>
+                    <a:p>
+                      <a:pPr marL="182880" marR="0" algn="r" rtl="1">
+                        <a:spcBef>
+                          <a:spcPts val="0"/>
+                        </a:spcBef>
+                        <a:spcAft>
+                          <a:spcPts val="0"/>
+                        </a:spcAft>
+                      </a:pPr>
+                      <a:r>
+                        <a:rPr lang="he-IL" sz="1200">
+                          <a:latin typeface="Arial"/>
+                          <a:ea typeface="Times New Roman"/>
+                        </a:rPr>
+                        <a:t>50%</a:t>
+                      </a:r>
+                      <a:endParaRPr lang="en-US" sz="1200">
+                        <a:latin typeface="Arial"/>
+                        <a:ea typeface="Times New Roman"/>
+                      </a:endParaRPr>
+                    </a:p>
+                  </a:txBody>
+                  <a:tcPr marL="68580" marR="68580" marT="0" marB="0">
+                    <a:lnL w="12700" cap="flat" cmpd="sng" algn="ctr">
+                      <a:solidFill>
+                        <a:srgbClr val="000000"/>
+                      </a:solidFill>
+                      <a:prstDash val="solid"/>
+                      <a:round/>
+                      <a:headEnd type="none" w="med" len="med"/>
+                      <a:tailEnd type="none" w="med" len="med"/>
+                    </a:lnL>
+                    <a:lnR w="12700" cap="flat" cmpd="sng" algn="ctr">
+                      <a:solidFill>
+                        <a:srgbClr val="000000"/>
+                      </a:solidFill>
+                      <a:prstDash val="solid"/>
+                      <a:round/>
+                      <a:headEnd type="none" w="med" len="med"/>
+                      <a:tailEnd type="none" w="med" len="med"/>
+                    </a:lnR>
+                    <a:lnT w="12700" cap="flat" cmpd="sng" algn="ctr">
+                      <a:solidFill>
+                        <a:srgbClr val="000000"/>
+                      </a:solidFill>
+                      <a:prstDash val="solid"/>
+                      <a:round/>
+                      <a:headEnd type="none" w="med" len="med"/>
+                      <a:tailEnd type="none" w="med" len="med"/>
+                    </a:lnT>
+                    <a:lnB w="12700" cap="flat" cmpd="sng" algn="ctr">
+                      <a:solidFill>
+                        <a:srgbClr val="000000"/>
+                      </a:solidFill>
+                      <a:prstDash val="solid"/>
+                      <a:round/>
+                      <a:headEnd type="none" w="med" len="med"/>
+                      <a:tailEnd type="none" w="med" len="med"/>
+                    </a:lnB>
+                  </a:tcPr>
+                </a:tc>
+                <a:tc>
+                  <a:txBody>
+                    <a:bodyPr/>
+                    <a:lstStyle/>
+                    <a:p>
+                      <a:pPr marL="182880" marR="0" algn="r" rtl="1">
+                        <a:spcBef>
+                          <a:spcPts val="0"/>
+                        </a:spcBef>
+                        <a:spcAft>
+                          <a:spcPts val="0"/>
+                        </a:spcAft>
+                      </a:pPr>
+                      <a:r>
+                        <a:rPr lang="he-IL" sz="1200">
+                          <a:latin typeface="Arial"/>
+                          <a:ea typeface="Times New Roman"/>
+                        </a:rPr>
+                        <a:t>אי הגעה לאבני דרך בפרוייקט</a:t>
+                      </a:r>
+                      <a:endParaRPr lang="en-US" sz="1200">
+                        <a:latin typeface="Arial"/>
+                        <a:ea typeface="Times New Roman"/>
+                      </a:endParaRPr>
+                    </a:p>
+                  </a:txBody>
+                  <a:tcPr marL="68580" marR="68580" marT="0" marB="0">
+                    <a:lnL w="12700" cap="flat" cmpd="sng" algn="ctr">
+                      <a:solidFill>
+                        <a:srgbClr val="000000"/>
+                      </a:solidFill>
+                      <a:prstDash val="solid"/>
+                      <a:round/>
+                      <a:headEnd type="none" w="med" len="med"/>
+                      <a:tailEnd type="none" w="med" len="med"/>
+                    </a:lnL>
+                    <a:lnR w="12700" cap="flat" cmpd="sng" algn="ctr">
+                      <a:solidFill>
+                        <a:srgbClr val="000000"/>
+                      </a:solidFill>
+                      <a:prstDash val="solid"/>
+                      <a:round/>
+                      <a:headEnd type="none" w="med" len="med"/>
+                      <a:tailEnd type="none" w="med" len="med"/>
+                    </a:lnR>
+                    <a:lnT w="12700" cap="flat" cmpd="sng" algn="ctr">
+                      <a:solidFill>
+                        <a:srgbClr val="000000"/>
+                      </a:solidFill>
+                      <a:prstDash val="solid"/>
+                      <a:round/>
+                      <a:headEnd type="none" w="med" len="med"/>
+                      <a:tailEnd type="none" w="med" len="med"/>
+                    </a:lnT>
+                    <a:lnB w="12700" cap="flat" cmpd="sng" algn="ctr">
+                      <a:solidFill>
+                        <a:srgbClr val="000000"/>
+                      </a:solidFill>
+                      <a:prstDash val="solid"/>
+                      <a:round/>
+                      <a:headEnd type="none" w="med" len="med"/>
+                      <a:tailEnd type="none" w="med" len="med"/>
+                    </a:lnB>
+                  </a:tcPr>
+                </a:tc>
+                <a:tc>
+                  <a:txBody>
+                    <a:bodyPr/>
+                    <a:lstStyle/>
+                    <a:p>
+                      <a:pPr marL="182880" marR="0" algn="r" rtl="1">
+                        <a:spcBef>
+                          <a:spcPts val="0"/>
+                        </a:spcBef>
+                        <a:spcAft>
+                          <a:spcPts val="0"/>
+                        </a:spcAft>
+                      </a:pPr>
+                      <a:r>
+                        <a:rPr lang="he-IL" sz="1200">
+                          <a:latin typeface="Arial"/>
+                          <a:ea typeface="Times New Roman"/>
+                        </a:rPr>
+                        <a:t>ניסיון להקדים ביצוע של משימות והקדשת זמן נוסף לפרוייקט</a:t>
+                      </a:r>
+                      <a:endParaRPr lang="en-US" sz="1200">
+                        <a:latin typeface="Arial"/>
+                        <a:ea typeface="Times New Roman"/>
+                      </a:endParaRPr>
+                    </a:p>
+                  </a:txBody>
+                  <a:tcPr marL="68580" marR="68580" marT="0" marB="0">
+                    <a:lnL w="12700" cap="flat" cmpd="sng" algn="ctr">
+                      <a:solidFill>
+                        <a:srgbClr val="000000"/>
+                      </a:solidFill>
+                      <a:prstDash val="solid"/>
+                      <a:round/>
+                      <a:headEnd type="none" w="med" len="med"/>
+                      <a:tailEnd type="none" w="med" len="med"/>
+                    </a:lnL>
+                    <a:lnR w="12700" cap="flat" cmpd="sng" algn="ctr">
+                      <a:solidFill>
+                        <a:srgbClr val="000000"/>
+                      </a:solidFill>
+                      <a:prstDash val="solid"/>
+                      <a:round/>
+                      <a:headEnd type="none" w="med" len="med"/>
+                      <a:tailEnd type="none" w="med" len="med"/>
+                    </a:lnR>
+                    <a:lnT w="12700" cap="flat" cmpd="sng" algn="ctr">
+                      <a:solidFill>
+                        <a:srgbClr val="000000"/>
+                      </a:solidFill>
+                      <a:prstDash val="solid"/>
+                      <a:round/>
+                      <a:headEnd type="none" w="med" len="med"/>
+                      <a:tailEnd type="none" w="med" len="med"/>
+                    </a:lnT>
+                    <a:lnB w="12700" cap="flat" cmpd="sng" algn="ctr">
+                      <a:solidFill>
+                        <a:srgbClr val="000000"/>
+                      </a:solidFill>
+                      <a:prstDash val="solid"/>
+                      <a:round/>
+                      <a:headEnd type="none" w="med" len="med"/>
+                      <a:tailEnd type="none" w="med" len="med"/>
+                    </a:lnB>
+                  </a:tcPr>
+                </a:tc>
+              </a:tr>
+              <a:tr h="0">
+                <a:tc>
+                  <a:txBody>
+                    <a:bodyPr/>
+                    <a:lstStyle/>
+                    <a:p>
+                      <a:pPr marL="182880" marR="0" algn="r" rtl="1">
+                        <a:spcBef>
+                          <a:spcPts val="0"/>
+                        </a:spcBef>
+                        <a:spcAft>
+                          <a:spcPts val="0"/>
+                        </a:spcAft>
+                      </a:pPr>
+                      <a:r>
+                        <a:rPr lang="he-IL" sz="1200">
+                          <a:latin typeface="Arial"/>
+                          <a:ea typeface="Times New Roman"/>
+                        </a:rPr>
+                        <a:t>כשל חומרתי בסביבת הפיתוח/ריצה</a:t>
+                      </a:r>
+                      <a:endParaRPr lang="en-US" sz="1200">
+                        <a:latin typeface="Arial"/>
+                        <a:ea typeface="Times New Roman"/>
+                      </a:endParaRPr>
+                    </a:p>
+                  </a:txBody>
+                  <a:tcPr marL="68580" marR="68580" marT="0" marB="0">
+                    <a:lnL w="12700" cap="flat" cmpd="sng" algn="ctr">
+                      <a:solidFill>
+                        <a:srgbClr val="000000"/>
+                      </a:solidFill>
+                      <a:prstDash val="solid"/>
+                      <a:round/>
+                      <a:headEnd type="none" w="med" len="med"/>
+                      <a:tailEnd type="none" w="med" len="med"/>
+                    </a:lnL>
+                    <a:lnR w="12700" cap="flat" cmpd="sng" algn="ctr">
+                      <a:solidFill>
+                        <a:srgbClr val="000000"/>
+                      </a:solidFill>
+                      <a:prstDash val="solid"/>
+                      <a:round/>
+                      <a:headEnd type="none" w="med" len="med"/>
+                      <a:tailEnd type="none" w="med" len="med"/>
+                    </a:lnR>
+                    <a:lnT w="12700" cap="flat" cmpd="sng" algn="ctr">
+                      <a:solidFill>
+                        <a:srgbClr val="000000"/>
+                      </a:solidFill>
+                      <a:prstDash val="solid"/>
+                      <a:round/>
+                      <a:headEnd type="none" w="med" len="med"/>
+                      <a:tailEnd type="none" w="med" len="med"/>
+                    </a:lnT>
+                    <a:lnB w="12700" cap="flat" cmpd="sng" algn="ctr">
+                      <a:solidFill>
+                        <a:srgbClr val="000000"/>
+                      </a:solidFill>
+                      <a:prstDash val="solid"/>
+                      <a:round/>
+                      <a:headEnd type="none" w="med" len="med"/>
+                      <a:tailEnd type="none" w="med" len="med"/>
+                    </a:lnB>
+                  </a:tcPr>
+                </a:tc>
+                <a:tc>
+                  <a:txBody>
+                    <a:bodyPr/>
+                    <a:lstStyle/>
+                    <a:p>
+                      <a:pPr marL="182880" marR="0" algn="r" rtl="1">
+                        <a:spcBef>
+                          <a:spcPts val="0"/>
+                        </a:spcBef>
+                        <a:spcAft>
+                          <a:spcPts val="0"/>
+                        </a:spcAft>
+                      </a:pPr>
+                      <a:r>
+                        <a:rPr lang="he-IL" sz="1200">
+                          <a:latin typeface="Arial"/>
+                          <a:ea typeface="Times New Roman"/>
+                        </a:rPr>
+                        <a:t>20%</a:t>
+                      </a:r>
+                      <a:endParaRPr lang="en-US" sz="1200">
+                        <a:latin typeface="Arial"/>
+                        <a:ea typeface="Times New Roman"/>
+                      </a:endParaRPr>
+                    </a:p>
+                  </a:txBody>
+                  <a:tcPr marL="68580" marR="68580" marT="0" marB="0">
+                    <a:lnL w="12700" cap="flat" cmpd="sng" algn="ctr">
+                      <a:solidFill>
+                        <a:srgbClr val="000000"/>
+                      </a:solidFill>
+                      <a:prstDash val="solid"/>
+                      <a:round/>
+                      <a:headEnd type="none" w="med" len="med"/>
+                      <a:tailEnd type="none" w="med" len="med"/>
+                    </a:lnL>
+                    <a:lnR w="12700" cap="flat" cmpd="sng" algn="ctr">
+                      <a:solidFill>
+                        <a:srgbClr val="000000"/>
+                      </a:solidFill>
+                      <a:prstDash val="solid"/>
+                      <a:round/>
+                      <a:headEnd type="none" w="med" len="med"/>
+                      <a:tailEnd type="none" w="med" len="med"/>
+                    </a:lnR>
+                    <a:lnT w="12700" cap="flat" cmpd="sng" algn="ctr">
+                      <a:solidFill>
+                        <a:srgbClr val="000000"/>
+                      </a:solidFill>
+                      <a:prstDash val="solid"/>
+                      <a:round/>
+                      <a:headEnd type="none" w="med" len="med"/>
+                      <a:tailEnd type="none" w="med" len="med"/>
+                    </a:lnT>
+                    <a:lnB w="12700" cap="flat" cmpd="sng" algn="ctr">
+                      <a:solidFill>
+                        <a:srgbClr val="000000"/>
+                      </a:solidFill>
+                      <a:prstDash val="solid"/>
+                      <a:round/>
+                      <a:headEnd type="none" w="med" len="med"/>
+                      <a:tailEnd type="none" w="med" len="med"/>
+                    </a:lnB>
+                  </a:tcPr>
+                </a:tc>
+                <a:tc>
+                  <a:txBody>
+                    <a:bodyPr/>
+                    <a:lstStyle/>
+                    <a:p>
+                      <a:pPr marL="182880" marR="0" algn="r" rtl="1">
+                        <a:spcBef>
+                          <a:spcPts val="0"/>
+                        </a:spcBef>
+                        <a:spcAft>
+                          <a:spcPts val="0"/>
+                        </a:spcAft>
+                      </a:pPr>
+                      <a:r>
+                        <a:rPr lang="he-IL" sz="1200">
+                          <a:latin typeface="Arial"/>
+                          <a:ea typeface="Times New Roman"/>
+                        </a:rPr>
+                        <a:t>עיכוב של עד כשבועיים</a:t>
+                      </a:r>
+                      <a:endParaRPr lang="en-US" sz="1200">
+                        <a:latin typeface="Arial"/>
+                        <a:ea typeface="Times New Roman"/>
+                      </a:endParaRPr>
+                    </a:p>
+                  </a:txBody>
+                  <a:tcPr marL="68580" marR="68580" marT="0" marB="0">
+                    <a:lnL w="12700" cap="flat" cmpd="sng" algn="ctr">
+                      <a:solidFill>
+                        <a:srgbClr val="000000"/>
+                      </a:solidFill>
+                      <a:prstDash val="solid"/>
+                      <a:round/>
+                      <a:headEnd type="none" w="med" len="med"/>
+                      <a:tailEnd type="none" w="med" len="med"/>
+                    </a:lnL>
+                    <a:lnR w="12700" cap="flat" cmpd="sng" algn="ctr">
+                      <a:solidFill>
+                        <a:srgbClr val="000000"/>
+                      </a:solidFill>
+                      <a:prstDash val="solid"/>
+                      <a:round/>
+                      <a:headEnd type="none" w="med" len="med"/>
+                      <a:tailEnd type="none" w="med" len="med"/>
+                    </a:lnR>
+                    <a:lnT w="12700" cap="flat" cmpd="sng" algn="ctr">
+                      <a:solidFill>
+                        <a:srgbClr val="000000"/>
+                      </a:solidFill>
+                      <a:prstDash val="solid"/>
+                      <a:round/>
+                      <a:headEnd type="none" w="med" len="med"/>
+                      <a:tailEnd type="none" w="med" len="med"/>
+                    </a:lnT>
+                    <a:lnB w="12700" cap="flat" cmpd="sng" algn="ctr">
+                      <a:solidFill>
+                        <a:srgbClr val="000000"/>
+                      </a:solidFill>
+                      <a:prstDash val="solid"/>
+                      <a:round/>
+                      <a:headEnd type="none" w="med" len="med"/>
+                      <a:tailEnd type="none" w="med" len="med"/>
+                    </a:lnB>
+                  </a:tcPr>
+                </a:tc>
+                <a:tc>
+                  <a:txBody>
+                    <a:bodyPr/>
+                    <a:lstStyle/>
+                    <a:p>
+                      <a:pPr marL="182880" marR="0" algn="r" rtl="1">
+                        <a:spcBef>
+                          <a:spcPts val="0"/>
+                        </a:spcBef>
+                        <a:spcAft>
+                          <a:spcPts val="0"/>
+                        </a:spcAft>
+                      </a:pPr>
+                      <a:r>
+                        <a:rPr lang="he-IL" sz="1200">
+                          <a:latin typeface="Arial"/>
+                          <a:ea typeface="Times New Roman"/>
+                        </a:rPr>
+                        <a:t>גיבוי כל איטרציה במערכת ניהול קוד</a:t>
+                      </a:r>
+                      <a:endParaRPr lang="en-US" sz="1200">
+                        <a:latin typeface="Arial"/>
+                        <a:ea typeface="Times New Roman"/>
+                      </a:endParaRPr>
+                    </a:p>
+                  </a:txBody>
+                  <a:tcPr marL="68580" marR="68580" marT="0" marB="0">
+                    <a:lnL w="12700" cap="flat" cmpd="sng" algn="ctr">
+                      <a:solidFill>
+                        <a:srgbClr val="000000"/>
+                      </a:solidFill>
+                      <a:prstDash val="solid"/>
+                      <a:round/>
+                      <a:headEnd type="none" w="med" len="med"/>
+                      <a:tailEnd type="none" w="med" len="med"/>
+                    </a:lnL>
+                    <a:lnR w="12700" cap="flat" cmpd="sng" algn="ctr">
+                      <a:solidFill>
+                        <a:srgbClr val="000000"/>
+                      </a:solidFill>
+                      <a:prstDash val="solid"/>
+                      <a:round/>
+                      <a:headEnd type="none" w="med" len="med"/>
+                      <a:tailEnd type="none" w="med" len="med"/>
+                    </a:lnR>
+                    <a:lnT w="12700" cap="flat" cmpd="sng" algn="ctr">
+                      <a:solidFill>
+                        <a:srgbClr val="000000"/>
+                      </a:solidFill>
+                      <a:prstDash val="solid"/>
+                      <a:round/>
+                      <a:headEnd type="none" w="med" len="med"/>
+                      <a:tailEnd type="none" w="med" len="med"/>
+                    </a:lnT>
+                    <a:lnB w="12700" cap="flat" cmpd="sng" algn="ctr">
+                      <a:solidFill>
+                        <a:srgbClr val="000000"/>
+                      </a:solidFill>
+                      <a:prstDash val="solid"/>
+                      <a:round/>
+                      <a:headEnd type="none" w="med" len="med"/>
+                      <a:tailEnd type="none" w="med" len="med"/>
+                    </a:lnB>
+                  </a:tcPr>
+                </a:tc>
+              </a:tr>
+              <a:tr h="0">
+                <a:tc>
+                  <a:txBody>
+                    <a:bodyPr/>
+                    <a:lstStyle/>
+                    <a:p>
+                      <a:pPr marL="182880" marR="0" algn="r" rtl="1">
+                        <a:spcBef>
+                          <a:spcPts val="0"/>
+                        </a:spcBef>
+                        <a:spcAft>
+                          <a:spcPts val="0"/>
+                        </a:spcAft>
+                      </a:pPr>
+                      <a:r>
+                        <a:rPr lang="he-IL" sz="1200">
+                          <a:latin typeface="Arial"/>
+                          <a:ea typeface="Times New Roman"/>
+                        </a:rPr>
+                        <a:t>אי יכולת לזהות אלמנטים מיוחדים בדף</a:t>
+                      </a:r>
+                      <a:endParaRPr lang="en-US" sz="1200">
+                        <a:latin typeface="Arial"/>
+                        <a:ea typeface="Times New Roman"/>
+                      </a:endParaRPr>
+                    </a:p>
+                  </a:txBody>
+                  <a:tcPr marL="68580" marR="68580" marT="0" marB="0">
+                    <a:lnL w="12700" cap="flat" cmpd="sng" algn="ctr">
+                      <a:solidFill>
+                        <a:srgbClr val="000000"/>
+                      </a:solidFill>
+                      <a:prstDash val="solid"/>
+                      <a:round/>
+                      <a:headEnd type="none" w="med" len="med"/>
+                      <a:tailEnd type="none" w="med" len="med"/>
+                    </a:lnL>
+                    <a:lnR w="12700" cap="flat" cmpd="sng" algn="ctr">
+                      <a:solidFill>
+                        <a:srgbClr val="000000"/>
+                      </a:solidFill>
+                      <a:prstDash val="solid"/>
+                      <a:round/>
+                      <a:headEnd type="none" w="med" len="med"/>
+                      <a:tailEnd type="none" w="med" len="med"/>
+                    </a:lnR>
+                    <a:lnT w="12700" cap="flat" cmpd="sng" algn="ctr">
+                      <a:solidFill>
+                        <a:srgbClr val="000000"/>
+                      </a:solidFill>
+                      <a:prstDash val="solid"/>
+                      <a:round/>
+                      <a:headEnd type="none" w="med" len="med"/>
+                      <a:tailEnd type="none" w="med" len="med"/>
+                    </a:lnT>
+                    <a:lnB w="12700" cap="flat" cmpd="sng" algn="ctr">
+                      <a:solidFill>
+                        <a:srgbClr val="000000"/>
+                      </a:solidFill>
+                      <a:prstDash val="solid"/>
+                      <a:round/>
+                      <a:headEnd type="none" w="med" len="med"/>
+                      <a:tailEnd type="none" w="med" len="med"/>
+                    </a:lnB>
+                  </a:tcPr>
+                </a:tc>
+                <a:tc>
+                  <a:txBody>
+                    <a:bodyPr/>
+                    <a:lstStyle/>
+                    <a:p>
+                      <a:pPr marL="182880" marR="0" algn="r" rtl="1">
+                        <a:spcBef>
+                          <a:spcPts val="0"/>
+                        </a:spcBef>
+                        <a:spcAft>
+                          <a:spcPts val="0"/>
+                        </a:spcAft>
+                      </a:pPr>
+                      <a:r>
+                        <a:rPr lang="he-IL" sz="1200">
+                          <a:latin typeface="Arial"/>
+                          <a:ea typeface="Times New Roman"/>
+                        </a:rPr>
+                        <a:t>50%</a:t>
+                      </a:r>
+                      <a:endParaRPr lang="en-US" sz="1200">
+                        <a:latin typeface="Arial"/>
+                        <a:ea typeface="Times New Roman"/>
+                      </a:endParaRPr>
+                    </a:p>
+                  </a:txBody>
+                  <a:tcPr marL="68580" marR="68580" marT="0" marB="0">
+                    <a:lnL w="12700" cap="flat" cmpd="sng" algn="ctr">
+                      <a:solidFill>
+                        <a:srgbClr val="000000"/>
+                      </a:solidFill>
+                      <a:prstDash val="solid"/>
+                      <a:round/>
+                      <a:headEnd type="none" w="med" len="med"/>
+                      <a:tailEnd type="none" w="med" len="med"/>
+                    </a:lnL>
+                    <a:lnR w="12700" cap="flat" cmpd="sng" algn="ctr">
+                      <a:solidFill>
+                        <a:srgbClr val="000000"/>
+                      </a:solidFill>
+                      <a:prstDash val="solid"/>
+                      <a:round/>
+                      <a:headEnd type="none" w="med" len="med"/>
+                      <a:tailEnd type="none" w="med" len="med"/>
+                    </a:lnR>
+                    <a:lnT w="12700" cap="flat" cmpd="sng" algn="ctr">
+                      <a:solidFill>
+                        <a:srgbClr val="000000"/>
+                      </a:solidFill>
+                      <a:prstDash val="solid"/>
+                      <a:round/>
+                      <a:headEnd type="none" w="med" len="med"/>
+                      <a:tailEnd type="none" w="med" len="med"/>
+                    </a:lnT>
+                    <a:lnB w="12700" cap="flat" cmpd="sng" algn="ctr">
+                      <a:solidFill>
+                        <a:srgbClr val="000000"/>
+                      </a:solidFill>
+                      <a:prstDash val="solid"/>
+                      <a:round/>
+                      <a:headEnd type="none" w="med" len="med"/>
+                      <a:tailEnd type="none" w="med" len="med"/>
+                    </a:lnB>
+                  </a:tcPr>
+                </a:tc>
+                <a:tc>
+                  <a:txBody>
+                    <a:bodyPr/>
+                    <a:lstStyle/>
+                    <a:p>
+                      <a:pPr marL="182880" marR="0" algn="r" rtl="1">
+                        <a:spcBef>
+                          <a:spcPts val="0"/>
+                        </a:spcBef>
+                        <a:spcAft>
+                          <a:spcPts val="0"/>
+                        </a:spcAft>
+                      </a:pPr>
+                      <a:r>
+                        <a:rPr lang="he-IL" sz="1200">
+                          <a:latin typeface="Arial"/>
+                          <a:ea typeface="Times New Roman"/>
+                        </a:rPr>
+                        <a:t>אי יכולת להשתמש באלמנטים אלו – ירידה בפונקציונאליות המובטחת</a:t>
+                      </a:r>
+                      <a:endParaRPr lang="en-US" sz="1200">
+                        <a:latin typeface="Arial"/>
+                        <a:ea typeface="Times New Roman"/>
+                      </a:endParaRPr>
+                    </a:p>
+                  </a:txBody>
+                  <a:tcPr marL="68580" marR="68580" marT="0" marB="0">
+                    <a:lnL w="12700" cap="flat" cmpd="sng" algn="ctr">
+                      <a:solidFill>
+                        <a:srgbClr val="000000"/>
+                      </a:solidFill>
+                      <a:prstDash val="solid"/>
+                      <a:round/>
+                      <a:headEnd type="none" w="med" len="med"/>
+                      <a:tailEnd type="none" w="med" len="med"/>
+                    </a:lnL>
+                    <a:lnR w="12700" cap="flat" cmpd="sng" algn="ctr">
+                      <a:solidFill>
+                        <a:srgbClr val="000000"/>
+                      </a:solidFill>
+                      <a:prstDash val="solid"/>
+                      <a:round/>
+                      <a:headEnd type="none" w="med" len="med"/>
+                      <a:tailEnd type="none" w="med" len="med"/>
+                    </a:lnR>
+                    <a:lnT w="12700" cap="flat" cmpd="sng" algn="ctr">
+                      <a:solidFill>
+                        <a:srgbClr val="000000"/>
+                      </a:solidFill>
+                      <a:prstDash val="solid"/>
+                      <a:round/>
+                      <a:headEnd type="none" w="med" len="med"/>
+                      <a:tailEnd type="none" w="med" len="med"/>
+                    </a:lnT>
+                    <a:lnB w="12700" cap="flat" cmpd="sng" algn="ctr">
+                      <a:solidFill>
+                        <a:srgbClr val="000000"/>
+                      </a:solidFill>
+                      <a:prstDash val="solid"/>
+                      <a:round/>
+                      <a:headEnd type="none" w="med" len="med"/>
+                      <a:tailEnd type="none" w="med" len="med"/>
+                    </a:lnB>
+                  </a:tcPr>
+                </a:tc>
+                <a:tc>
+                  <a:txBody>
+                    <a:bodyPr/>
+                    <a:lstStyle/>
+                    <a:p>
+                      <a:pPr marL="182880" marR="0" algn="r" rtl="1">
+                        <a:spcBef>
+                          <a:spcPts val="0"/>
+                        </a:spcBef>
+                        <a:spcAft>
+                          <a:spcPts val="0"/>
+                        </a:spcAft>
+                      </a:pPr>
+                      <a:r>
+                        <a:rPr lang="he-IL" sz="1200">
+                          <a:latin typeface="Arial"/>
+                          <a:ea typeface="Times New Roman"/>
+                        </a:rPr>
+                        <a:t>עדכון סעיף האילוצים בשלב מוקדם ככל האפשר</a:t>
+                      </a:r>
+                      <a:endParaRPr lang="en-US" sz="1200">
+                        <a:latin typeface="Arial"/>
+                        <a:ea typeface="Times New Roman"/>
+                      </a:endParaRPr>
+                    </a:p>
+                  </a:txBody>
+                  <a:tcPr marL="68580" marR="68580" marT="0" marB="0">
+                    <a:lnL w="12700" cap="flat" cmpd="sng" algn="ctr">
+                      <a:solidFill>
+                        <a:srgbClr val="000000"/>
+                      </a:solidFill>
+                      <a:prstDash val="solid"/>
+                      <a:round/>
+                      <a:headEnd type="none" w="med" len="med"/>
+                      <a:tailEnd type="none" w="med" len="med"/>
+                    </a:lnL>
+                    <a:lnR w="12700" cap="flat" cmpd="sng" algn="ctr">
+                      <a:solidFill>
+                        <a:srgbClr val="000000"/>
+                      </a:solidFill>
+                      <a:prstDash val="solid"/>
+                      <a:round/>
+                      <a:headEnd type="none" w="med" len="med"/>
+                      <a:tailEnd type="none" w="med" len="med"/>
+                    </a:lnR>
+                    <a:lnT w="12700" cap="flat" cmpd="sng" algn="ctr">
+                      <a:solidFill>
+                        <a:srgbClr val="000000"/>
+                      </a:solidFill>
+                      <a:prstDash val="solid"/>
+                      <a:round/>
+                      <a:headEnd type="none" w="med" len="med"/>
+                      <a:tailEnd type="none" w="med" len="med"/>
+                    </a:lnT>
+                    <a:lnB w="12700" cap="flat" cmpd="sng" algn="ctr">
+                      <a:solidFill>
+                        <a:srgbClr val="000000"/>
+                      </a:solidFill>
+                      <a:prstDash val="solid"/>
+                      <a:round/>
+                      <a:headEnd type="none" w="med" len="med"/>
+                      <a:tailEnd type="none" w="med" len="med"/>
+                    </a:lnB>
+                  </a:tcPr>
+                </a:tc>
+              </a:tr>
+              <a:tr h="0">
+                <a:tc>
+                  <a:txBody>
+                    <a:bodyPr/>
+                    <a:lstStyle/>
+                    <a:p>
+                      <a:pPr marL="182880" marR="0" algn="r" rtl="1">
+                        <a:spcBef>
+                          <a:spcPts val="0"/>
+                        </a:spcBef>
+                        <a:spcAft>
+                          <a:spcPts val="0"/>
+                        </a:spcAft>
+                      </a:pPr>
+                      <a:r>
+                        <a:rPr lang="he-IL" sz="1200">
+                          <a:latin typeface="Arial"/>
+                          <a:ea typeface="Times New Roman"/>
+                        </a:rPr>
+                        <a:t>דפים דינמיים </a:t>
+                      </a:r>
+                      <a:r>
+                        <a:rPr lang="en-US" sz="1200">
+                          <a:latin typeface="Arial"/>
+                          <a:ea typeface="Times New Roman"/>
+                        </a:rPr>
+                        <a:t>(Ajax, DHTML) </a:t>
+                      </a:r>
+                    </a:p>
+                  </a:txBody>
+                  <a:tcPr marL="68580" marR="68580" marT="0" marB="0">
+                    <a:lnL w="12700" cap="flat" cmpd="sng" algn="ctr">
+                      <a:solidFill>
+                        <a:srgbClr val="000000"/>
+                      </a:solidFill>
+                      <a:prstDash val="solid"/>
+                      <a:round/>
+                      <a:headEnd type="none" w="med" len="med"/>
+                      <a:tailEnd type="none" w="med" len="med"/>
+                    </a:lnL>
+                    <a:lnR w="12700" cap="flat" cmpd="sng" algn="ctr">
+                      <a:solidFill>
+                        <a:srgbClr val="000000"/>
+                      </a:solidFill>
+                      <a:prstDash val="solid"/>
+                      <a:round/>
+                      <a:headEnd type="none" w="med" len="med"/>
+                      <a:tailEnd type="none" w="med" len="med"/>
+                    </a:lnR>
+                    <a:lnT w="12700" cap="flat" cmpd="sng" algn="ctr">
+                      <a:solidFill>
+                        <a:srgbClr val="000000"/>
+                      </a:solidFill>
+                      <a:prstDash val="solid"/>
+                      <a:round/>
+                      <a:headEnd type="none" w="med" len="med"/>
+                      <a:tailEnd type="none" w="med" len="med"/>
+                    </a:lnT>
+                    <a:lnB w="12700" cap="flat" cmpd="sng" algn="ctr">
+                      <a:solidFill>
+                        <a:srgbClr val="000000"/>
+                      </a:solidFill>
+                      <a:prstDash val="solid"/>
+                      <a:round/>
+                      <a:headEnd type="none" w="med" len="med"/>
+                      <a:tailEnd type="none" w="med" len="med"/>
+                    </a:lnB>
+                  </a:tcPr>
+                </a:tc>
+                <a:tc>
+                  <a:txBody>
+                    <a:bodyPr/>
+                    <a:lstStyle/>
+                    <a:p>
+                      <a:pPr marL="182880" marR="0" algn="r" rtl="1">
+                        <a:spcBef>
+                          <a:spcPts val="0"/>
+                        </a:spcBef>
+                        <a:spcAft>
+                          <a:spcPts val="0"/>
+                        </a:spcAft>
+                      </a:pPr>
+                      <a:r>
+                        <a:rPr lang="he-IL" sz="1200">
+                          <a:latin typeface="Arial"/>
+                          <a:ea typeface="Times New Roman"/>
+                        </a:rPr>
+                        <a:t>80%</a:t>
+                      </a:r>
+                      <a:endParaRPr lang="en-US" sz="1200">
+                        <a:latin typeface="Arial"/>
+                        <a:ea typeface="Times New Roman"/>
+                      </a:endParaRPr>
+                    </a:p>
+                  </a:txBody>
+                  <a:tcPr marL="68580" marR="68580" marT="0" marB="0">
+                    <a:lnL w="12700" cap="flat" cmpd="sng" algn="ctr">
+                      <a:solidFill>
+                        <a:srgbClr val="000000"/>
+                      </a:solidFill>
+                      <a:prstDash val="solid"/>
+                      <a:round/>
+                      <a:headEnd type="none" w="med" len="med"/>
+                      <a:tailEnd type="none" w="med" len="med"/>
+                    </a:lnL>
+                    <a:lnR w="12700" cap="flat" cmpd="sng" algn="ctr">
+                      <a:solidFill>
+                        <a:srgbClr val="000000"/>
+                      </a:solidFill>
+                      <a:prstDash val="solid"/>
+                      <a:round/>
+                      <a:headEnd type="none" w="med" len="med"/>
+                      <a:tailEnd type="none" w="med" len="med"/>
+                    </a:lnR>
+                    <a:lnT w="12700" cap="flat" cmpd="sng" algn="ctr">
+                      <a:solidFill>
+                        <a:srgbClr val="000000"/>
+                      </a:solidFill>
+                      <a:prstDash val="solid"/>
+                      <a:round/>
+                      <a:headEnd type="none" w="med" len="med"/>
+                      <a:tailEnd type="none" w="med" len="med"/>
+                    </a:lnT>
+                    <a:lnB w="12700" cap="flat" cmpd="sng" algn="ctr">
+                      <a:solidFill>
+                        <a:srgbClr val="000000"/>
+                      </a:solidFill>
+                      <a:prstDash val="solid"/>
+                      <a:round/>
+                      <a:headEnd type="none" w="med" len="med"/>
+                      <a:tailEnd type="none" w="med" len="med"/>
+                    </a:lnB>
+                  </a:tcPr>
+                </a:tc>
+                <a:tc>
+                  <a:txBody>
+                    <a:bodyPr/>
+                    <a:lstStyle/>
+                    <a:p>
+                      <a:pPr marL="182880" marR="0" algn="r" rtl="1">
+                        <a:spcBef>
+                          <a:spcPts val="0"/>
+                        </a:spcBef>
+                        <a:spcAft>
+                          <a:spcPts val="0"/>
+                        </a:spcAft>
+                      </a:pPr>
+                      <a:r>
+                        <a:rPr lang="he-IL" sz="1200">
+                          <a:latin typeface="Arial"/>
+                          <a:ea typeface="Times New Roman"/>
+                        </a:rPr>
+                        <a:t>שיבוש יכולת זיהוי האלמנטים</a:t>
+                      </a:r>
+                      <a:endParaRPr lang="en-US" sz="1200">
+                        <a:latin typeface="Arial"/>
+                        <a:ea typeface="Times New Roman"/>
+                      </a:endParaRPr>
+                    </a:p>
+                  </a:txBody>
+                  <a:tcPr marL="68580" marR="68580" marT="0" marB="0">
+                    <a:lnL w="12700" cap="flat" cmpd="sng" algn="ctr">
+                      <a:solidFill>
+                        <a:srgbClr val="000000"/>
+                      </a:solidFill>
+                      <a:prstDash val="solid"/>
+                      <a:round/>
+                      <a:headEnd type="none" w="med" len="med"/>
+                      <a:tailEnd type="none" w="med" len="med"/>
+                    </a:lnL>
+                    <a:lnR w="12700" cap="flat" cmpd="sng" algn="ctr">
+                      <a:solidFill>
+                        <a:srgbClr val="000000"/>
+                      </a:solidFill>
+                      <a:prstDash val="solid"/>
+                      <a:round/>
+                      <a:headEnd type="none" w="med" len="med"/>
+                      <a:tailEnd type="none" w="med" len="med"/>
+                    </a:lnR>
+                    <a:lnT w="12700" cap="flat" cmpd="sng" algn="ctr">
+                      <a:solidFill>
+                        <a:srgbClr val="000000"/>
+                      </a:solidFill>
+                      <a:prstDash val="solid"/>
+                      <a:round/>
+                      <a:headEnd type="none" w="med" len="med"/>
+                      <a:tailEnd type="none" w="med" len="med"/>
+                    </a:lnT>
+                    <a:lnB w="12700" cap="flat" cmpd="sng" algn="ctr">
+                      <a:solidFill>
+                        <a:srgbClr val="000000"/>
+                      </a:solidFill>
+                      <a:prstDash val="solid"/>
+                      <a:round/>
+                      <a:headEnd type="none" w="med" len="med"/>
+                      <a:tailEnd type="none" w="med" len="med"/>
+                    </a:lnB>
+                  </a:tcPr>
+                </a:tc>
+                <a:tc>
+                  <a:txBody>
+                    <a:bodyPr/>
+                    <a:lstStyle/>
+                    <a:p>
+                      <a:pPr marL="182880" marR="0" algn="r" rtl="1">
+                        <a:spcBef>
+                          <a:spcPts val="0"/>
+                        </a:spcBef>
+                        <a:spcAft>
+                          <a:spcPts val="0"/>
+                        </a:spcAft>
+                      </a:pPr>
+                      <a:r>
+                        <a:rPr lang="he-IL" sz="1200" dirty="0">
+                          <a:latin typeface="Arial"/>
+                          <a:ea typeface="Times New Roman"/>
+                        </a:rPr>
+                        <a:t>התקנת מנגנוני המתנה לאלמנטים לא קיימים.</a:t>
+                      </a:r>
+                      <a:endParaRPr lang="en-US" sz="1200" dirty="0">
+                        <a:latin typeface="Arial"/>
+                        <a:ea typeface="Times New Roman"/>
+                      </a:endParaRPr>
+                    </a:p>
+                  </a:txBody>
+                  <a:tcPr marL="68580" marR="68580" marT="0" marB="0">
+                    <a:lnL w="12700" cap="flat" cmpd="sng" algn="ctr">
+                      <a:solidFill>
+                        <a:srgbClr val="000000"/>
+                      </a:solidFill>
+                      <a:prstDash val="solid"/>
+                      <a:round/>
+                      <a:headEnd type="none" w="med" len="med"/>
+                      <a:tailEnd type="none" w="med" len="med"/>
+                    </a:lnL>
+                    <a:lnR w="12700" cap="flat" cmpd="sng" algn="ctr">
+                      <a:solidFill>
+                        <a:srgbClr val="000000"/>
+                      </a:solidFill>
+                      <a:prstDash val="solid"/>
+                      <a:round/>
+                      <a:headEnd type="none" w="med" len="med"/>
+                      <a:tailEnd type="none" w="med" len="med"/>
+                    </a:lnR>
+                    <a:lnT w="12700" cap="flat" cmpd="sng" algn="ctr">
+                      <a:solidFill>
+                        <a:srgbClr val="000000"/>
+                      </a:solidFill>
+                      <a:prstDash val="solid"/>
+                      <a:round/>
+                      <a:headEnd type="none" w="med" len="med"/>
+                      <a:tailEnd type="none" w="med" len="med"/>
+                    </a:lnT>
+                    <a:lnB w="12700" cap="flat" cmpd="sng" algn="ctr">
+                      <a:solidFill>
+                        <a:srgbClr val="000000"/>
+                      </a:solidFill>
+                      <a:prstDash val="solid"/>
+                      <a:round/>
+                      <a:headEnd type="none" w="med" len="med"/>
+                      <a:tailEnd type="none" w="med" len="med"/>
+                    </a:lnB>
+                  </a:tcPr>
+                </a:tc>
+              </a:tr>
+            </a:tbl>
+          </a:graphicData>
+        </a:graphic>
+      </p:graphicFrame>
+    </p:spTree>
+  </p:cSld>
+  <p:clrMapOvr>
+    <a:masterClrMapping/>
+  </p:clrMapOvr>
+</p:sld>
+</file>
+
+<file path=ppt/slides/slide16.xml><?xml version="1.0" encoding="utf-8"?>
+<p:sld xmlns:a="http://schemas.openxmlformats.org/drawingml/2006/main" xmlns:r="http://schemas.openxmlformats.org/officeDocument/2006/relationships" xmlns:p="http://schemas.openxmlformats.org/presentationml/2006/main">
+  <p:cSld>
+    <p:spTree>
+      <p:nvGrpSpPr>
+        <p:cNvPr id="1" name=""/>
+        <p:cNvGrpSpPr/>
+        <p:nvPr/>
+      </p:nvGrpSpPr>
+      <p:grpSpPr>
+        <a:xfrm>
+          <a:off x="0" y="0"/>
+          <a:ext cx="0" cy="0"/>
+          <a:chOff x="0" y="0"/>
+          <a:chExt cx="0" cy="0"/>
+        </a:xfrm>
+      </p:grpSpPr>
+      <p:sp>
+        <p:nvSpPr>
+          <p:cNvPr id="2" name="Title 1"/>
+          <p:cNvSpPr>
+            <a:spLocks noGrp="1"/>
+          </p:cNvSpPr>
+          <p:nvPr>
+            <p:ph type="title"/>
+          </p:nvPr>
+        </p:nvSpPr>
+        <p:spPr/>
+        <p:txBody>
+          <a:bodyPr/>
+          <a:lstStyle/>
+          <a:p>
+            <a:r>
+              <a:rPr lang="he-IL" dirty="0" smtClean="0"/>
+              <a:t>שאלות</a:t>
+            </a:r>
+            <a:endParaRPr lang="he-IL" dirty="0"/>
+          </a:p>
+        </p:txBody>
+      </p:sp>
+    </p:spTree>
+  </p:cSld>
+  <p:clrMapOvr>
+    <a:masterClrMapping/>
+  </p:clrMapOvr>
+</p:sld>
+</file>
+
 <file path=ppt/slides/slide2.xml><?xml version="1.0" encoding="utf-8"?>
 <p:sld xmlns:a="http://schemas.openxmlformats.org/drawingml/2006/main" xmlns:r="http://schemas.openxmlformats.org/officeDocument/2006/relationships" xmlns:p="http://schemas.openxmlformats.org/presentationml/2006/main">
   <p:cSld>
@@ -7936,6 +11066,2020 @@
               <a:rPr lang="he-IL" dirty="0" smtClean="0"/>
               <a:t>התראה למשתמש ע"פ בקשתו על אירוע באתר מסויים.</a:t>
             </a:r>
+          </a:p>
+          <a:p>
+            <a:endParaRPr lang="he-IL" dirty="0"/>
+          </a:p>
+        </p:txBody>
+      </p:sp>
+    </p:spTree>
+  </p:cSld>
+  <p:clrMapOvr>
+    <a:masterClrMapping/>
+  </p:clrMapOvr>
+</p:sld>
+</file>
+
+<file path=ppt/slides/slide5.xml><?xml version="1.0" encoding="utf-8"?>
+<p:sld xmlns:a="http://schemas.openxmlformats.org/drawingml/2006/main" xmlns:r="http://schemas.openxmlformats.org/officeDocument/2006/relationships" xmlns:p="http://schemas.openxmlformats.org/presentationml/2006/main">
+  <p:cSld>
+    <p:spTree>
+      <p:nvGrpSpPr>
+        <p:cNvPr id="1" name=""/>
+        <p:cNvGrpSpPr/>
+        <p:nvPr/>
+      </p:nvGrpSpPr>
+      <p:grpSpPr>
+        <a:xfrm>
+          <a:off x="0" y="0"/>
+          <a:ext cx="0" cy="0"/>
+          <a:chOff x="0" y="0"/>
+          <a:chExt cx="0" cy="0"/>
+        </a:xfrm>
+      </p:grpSpPr>
+      <p:sp>
+        <p:nvSpPr>
+          <p:cNvPr id="2" name="Title 1"/>
+          <p:cNvSpPr>
+            <a:spLocks noGrp="1"/>
+          </p:cNvSpPr>
+          <p:nvPr>
+            <p:ph type="title"/>
+          </p:nvPr>
+        </p:nvSpPr>
+        <p:spPr/>
+        <p:txBody>
+          <a:bodyPr/>
+          <a:lstStyle/>
+          <a:p>
+            <a:r>
+              <a:rPr lang="he-IL" dirty="0" smtClean="0"/>
+              <a:t>חלופות מערכתיות</a:t>
+            </a:r>
+            <a:endParaRPr lang="he-IL" dirty="0"/>
+          </a:p>
+        </p:txBody>
+      </p:sp>
+      <p:graphicFrame>
+        <p:nvGraphicFramePr>
+          <p:cNvPr id="5" name="Table 4"/>
+          <p:cNvGraphicFramePr>
+            <a:graphicFrameLocks noGrp="1"/>
+          </p:cNvGraphicFramePr>
+          <p:nvPr/>
+        </p:nvGraphicFramePr>
+        <p:xfrm>
+          <a:off x="304800" y="1295400"/>
+          <a:ext cx="8458200" cy="4724400"/>
+        </p:xfrm>
+        <a:graphic>
+          <a:graphicData uri="http://schemas.openxmlformats.org/drawingml/2006/table">
+            <a:tbl>
+              <a:tblPr rtl="1"/>
+              <a:tblGrid>
+                <a:gridCol w="1847193"/>
+                <a:gridCol w="2819400"/>
+                <a:gridCol w="2236076"/>
+                <a:gridCol w="1555531"/>
+              </a:tblGrid>
+              <a:tr h="775845">
+                <a:tc>
+                  <a:txBody>
+                    <a:bodyPr/>
+                    <a:lstStyle/>
+                    <a:p>
+                      <a:pPr marL="0" marR="0" algn="r" rtl="1">
+                        <a:spcBef>
+                          <a:spcPts val="0"/>
+                        </a:spcBef>
+                        <a:spcAft>
+                          <a:spcPts val="0"/>
+                        </a:spcAft>
+                      </a:pPr>
+                      <a:r>
+                        <a:rPr lang="he-IL" sz="2000">
+                          <a:latin typeface="Times New Roman"/>
+                          <a:ea typeface="Times New Roman"/>
+                          <a:cs typeface="Arial"/>
+                        </a:rPr>
+                        <a:t>נושא לחלופה</a:t>
+                      </a:r>
+                      <a:endParaRPr lang="en-US" sz="2000">
+                        <a:latin typeface="Times New Roman"/>
+                        <a:ea typeface="Times New Roman"/>
+                      </a:endParaRPr>
+                    </a:p>
+                  </a:txBody>
+                  <a:tcPr marL="68580" marR="68580" marT="0" marB="0">
+                    <a:lnL w="12700" cap="flat" cmpd="sng" algn="ctr">
+                      <a:solidFill>
+                        <a:srgbClr val="000000"/>
+                      </a:solidFill>
+                      <a:prstDash val="solid"/>
+                      <a:round/>
+                      <a:headEnd type="none" w="med" len="med"/>
+                      <a:tailEnd type="none" w="med" len="med"/>
+                    </a:lnL>
+                    <a:lnR w="12700" cap="flat" cmpd="sng" algn="ctr">
+                      <a:solidFill>
+                        <a:srgbClr val="000000"/>
+                      </a:solidFill>
+                      <a:prstDash val="solid"/>
+                      <a:round/>
+                      <a:headEnd type="none" w="med" len="med"/>
+                      <a:tailEnd type="none" w="med" len="med"/>
+                    </a:lnR>
+                    <a:lnT w="12700" cap="flat" cmpd="sng" algn="ctr">
+                      <a:solidFill>
+                        <a:srgbClr val="000000"/>
+                      </a:solidFill>
+                      <a:prstDash val="solid"/>
+                      <a:round/>
+                      <a:headEnd type="none" w="med" len="med"/>
+                      <a:tailEnd type="none" w="med" len="med"/>
+                    </a:lnT>
+                    <a:lnB w="12700" cap="flat" cmpd="sng" algn="ctr">
+                      <a:solidFill>
+                        <a:srgbClr val="000000"/>
+                      </a:solidFill>
+                      <a:prstDash val="solid"/>
+                      <a:round/>
+                      <a:headEnd type="none" w="med" len="med"/>
+                      <a:tailEnd type="none" w="med" len="med"/>
+                    </a:lnB>
+                  </a:tcPr>
+                </a:tc>
+                <a:tc>
+                  <a:txBody>
+                    <a:bodyPr/>
+                    <a:lstStyle/>
+                    <a:p>
+                      <a:pPr marL="0" marR="0" algn="ctr" rtl="1">
+                        <a:spcBef>
+                          <a:spcPts val="0"/>
+                        </a:spcBef>
+                        <a:spcAft>
+                          <a:spcPts val="0"/>
+                        </a:spcAft>
+                      </a:pPr>
+                      <a:r>
+                        <a:rPr lang="en-GB" sz="2000">
+                          <a:latin typeface="Arial"/>
+                          <a:ea typeface="Times New Roman"/>
+                        </a:rPr>
+                        <a:t>QTP</a:t>
+                      </a:r>
+                      <a:endParaRPr lang="en-US" sz="2000">
+                        <a:latin typeface="Times New Roman"/>
+                        <a:ea typeface="Times New Roman"/>
+                      </a:endParaRPr>
+                    </a:p>
+                  </a:txBody>
+                  <a:tcPr marL="68580" marR="68580" marT="0" marB="0">
+                    <a:lnL w="12700" cap="flat" cmpd="sng" algn="ctr">
+                      <a:solidFill>
+                        <a:srgbClr val="000000"/>
+                      </a:solidFill>
+                      <a:prstDash val="solid"/>
+                      <a:round/>
+                      <a:headEnd type="none" w="med" len="med"/>
+                      <a:tailEnd type="none" w="med" len="med"/>
+                    </a:lnL>
+                    <a:lnR w="12700" cap="flat" cmpd="sng" algn="ctr">
+                      <a:solidFill>
+                        <a:srgbClr val="000000"/>
+                      </a:solidFill>
+                      <a:prstDash val="solid"/>
+                      <a:round/>
+                      <a:headEnd type="none" w="med" len="med"/>
+                      <a:tailEnd type="none" w="med" len="med"/>
+                    </a:lnR>
+                    <a:lnT w="12700" cap="flat" cmpd="sng" algn="ctr">
+                      <a:solidFill>
+                        <a:srgbClr val="000000"/>
+                      </a:solidFill>
+                      <a:prstDash val="solid"/>
+                      <a:round/>
+                      <a:headEnd type="none" w="med" len="med"/>
+                      <a:tailEnd type="none" w="med" len="med"/>
+                    </a:lnT>
+                    <a:lnB w="12700" cap="flat" cmpd="sng" algn="ctr">
+                      <a:solidFill>
+                        <a:srgbClr val="000000"/>
+                      </a:solidFill>
+                      <a:prstDash val="solid"/>
+                      <a:round/>
+                      <a:headEnd type="none" w="med" len="med"/>
+                      <a:tailEnd type="none" w="med" len="med"/>
+                    </a:lnB>
+                  </a:tcPr>
+                </a:tc>
+                <a:tc>
+                  <a:txBody>
+                    <a:bodyPr/>
+                    <a:lstStyle/>
+                    <a:p>
+                      <a:pPr marL="0" marR="0" algn="ctr" rtl="1">
+                        <a:spcBef>
+                          <a:spcPts val="0"/>
+                        </a:spcBef>
+                        <a:spcAft>
+                          <a:spcPts val="0"/>
+                        </a:spcAft>
+                      </a:pPr>
+                      <a:r>
+                        <a:rPr lang="en-US" sz="2000">
+                          <a:latin typeface="Arial"/>
+                          <a:ea typeface="Times New Roman"/>
+                        </a:rPr>
+                        <a:t>iMacros</a:t>
+                      </a:r>
+                      <a:endParaRPr lang="en-US" sz="2000">
+                        <a:latin typeface="Times New Roman"/>
+                        <a:ea typeface="Times New Roman"/>
+                      </a:endParaRPr>
+                    </a:p>
+                  </a:txBody>
+                  <a:tcPr marL="68580" marR="68580" marT="0" marB="0">
+                    <a:lnL w="12700" cap="flat" cmpd="sng" algn="ctr">
+                      <a:solidFill>
+                        <a:srgbClr val="000000"/>
+                      </a:solidFill>
+                      <a:prstDash val="solid"/>
+                      <a:round/>
+                      <a:headEnd type="none" w="med" len="med"/>
+                      <a:tailEnd type="none" w="med" len="med"/>
+                    </a:lnL>
+                    <a:lnR w="12700" cap="flat" cmpd="sng" algn="ctr">
+                      <a:solidFill>
+                        <a:srgbClr val="000000"/>
+                      </a:solidFill>
+                      <a:prstDash val="solid"/>
+                      <a:round/>
+                      <a:headEnd type="none" w="med" len="med"/>
+                      <a:tailEnd type="none" w="med" len="med"/>
+                    </a:lnR>
+                    <a:lnT w="12700" cap="flat" cmpd="sng" algn="ctr">
+                      <a:solidFill>
+                        <a:srgbClr val="000000"/>
+                      </a:solidFill>
+                      <a:prstDash val="solid"/>
+                      <a:round/>
+                      <a:headEnd type="none" w="med" len="med"/>
+                      <a:tailEnd type="none" w="med" len="med"/>
+                    </a:lnT>
+                    <a:lnB w="12700" cap="flat" cmpd="sng" algn="ctr">
+                      <a:solidFill>
+                        <a:srgbClr val="000000"/>
+                      </a:solidFill>
+                      <a:prstDash val="solid"/>
+                      <a:round/>
+                      <a:headEnd type="none" w="med" len="med"/>
+                      <a:tailEnd type="none" w="med" len="med"/>
+                    </a:lnB>
+                  </a:tcPr>
+                </a:tc>
+                <a:tc>
+                  <a:txBody>
+                    <a:bodyPr/>
+                    <a:lstStyle/>
+                    <a:p>
+                      <a:pPr marL="0" marR="0" algn="ctr" rtl="1">
+                        <a:spcBef>
+                          <a:spcPts val="0"/>
+                        </a:spcBef>
+                        <a:spcAft>
+                          <a:spcPts val="0"/>
+                        </a:spcAft>
+                      </a:pPr>
+                      <a:r>
+                        <a:rPr lang="en-GB" sz="2000">
+                          <a:latin typeface="Arial"/>
+                          <a:ea typeface="Times New Roman"/>
+                        </a:rPr>
+                        <a:t>RFT</a:t>
+                      </a:r>
+                      <a:endParaRPr lang="en-US" sz="2000">
+                        <a:latin typeface="Times New Roman"/>
+                        <a:ea typeface="Times New Roman"/>
+                      </a:endParaRPr>
+                    </a:p>
+                  </a:txBody>
+                  <a:tcPr marL="68580" marR="68580" marT="0" marB="0">
+                    <a:lnL w="12700" cap="flat" cmpd="sng" algn="ctr">
+                      <a:solidFill>
+                        <a:srgbClr val="000000"/>
+                      </a:solidFill>
+                      <a:prstDash val="solid"/>
+                      <a:round/>
+                      <a:headEnd type="none" w="med" len="med"/>
+                      <a:tailEnd type="none" w="med" len="med"/>
+                    </a:lnL>
+                    <a:lnR w="12700" cap="flat" cmpd="sng" algn="ctr">
+                      <a:solidFill>
+                        <a:srgbClr val="000000"/>
+                      </a:solidFill>
+                      <a:prstDash val="solid"/>
+                      <a:round/>
+                      <a:headEnd type="none" w="med" len="med"/>
+                      <a:tailEnd type="none" w="med" len="med"/>
+                    </a:lnR>
+                    <a:lnT w="12700" cap="flat" cmpd="sng" algn="ctr">
+                      <a:solidFill>
+                        <a:srgbClr val="000000"/>
+                      </a:solidFill>
+                      <a:prstDash val="solid"/>
+                      <a:round/>
+                      <a:headEnd type="none" w="med" len="med"/>
+                      <a:tailEnd type="none" w="med" len="med"/>
+                    </a:lnT>
+                    <a:lnB w="12700" cap="flat" cmpd="sng" algn="ctr">
+                      <a:solidFill>
+                        <a:srgbClr val="000000"/>
+                      </a:solidFill>
+                      <a:prstDash val="solid"/>
+                      <a:round/>
+                      <a:headEnd type="none" w="med" len="med"/>
+                      <a:tailEnd type="none" w="med" len="med"/>
+                    </a:lnB>
+                  </a:tcPr>
+                </a:tc>
+              </a:tr>
+              <a:tr h="1096087">
+                <a:tc>
+                  <a:txBody>
+                    <a:bodyPr/>
+                    <a:lstStyle/>
+                    <a:p>
+                      <a:pPr marL="0" marR="0" algn="r" rtl="1">
+                        <a:spcBef>
+                          <a:spcPts val="0"/>
+                        </a:spcBef>
+                        <a:spcAft>
+                          <a:spcPts val="0"/>
+                        </a:spcAft>
+                      </a:pPr>
+                      <a:r>
+                        <a:rPr lang="he-IL" sz="2000">
+                          <a:latin typeface="Times New Roman"/>
+                          <a:ea typeface="Times New Roman"/>
+                          <a:cs typeface="Arial"/>
+                        </a:rPr>
+                        <a:t>מחיר($)</a:t>
+                      </a:r>
+                      <a:endParaRPr lang="en-US" sz="2000">
+                        <a:latin typeface="Times New Roman"/>
+                        <a:ea typeface="Times New Roman"/>
+                      </a:endParaRPr>
+                    </a:p>
+                  </a:txBody>
+                  <a:tcPr marL="68580" marR="68580" marT="0" marB="0">
+                    <a:lnL w="12700" cap="flat" cmpd="sng" algn="ctr">
+                      <a:solidFill>
+                        <a:srgbClr val="000000"/>
+                      </a:solidFill>
+                      <a:prstDash val="solid"/>
+                      <a:round/>
+                      <a:headEnd type="none" w="med" len="med"/>
+                      <a:tailEnd type="none" w="med" len="med"/>
+                    </a:lnL>
+                    <a:lnR w="12700" cap="flat" cmpd="sng" algn="ctr">
+                      <a:solidFill>
+                        <a:srgbClr val="000000"/>
+                      </a:solidFill>
+                      <a:prstDash val="solid"/>
+                      <a:round/>
+                      <a:headEnd type="none" w="med" len="med"/>
+                      <a:tailEnd type="none" w="med" len="med"/>
+                    </a:lnR>
+                    <a:lnT w="12700" cap="flat" cmpd="sng" algn="ctr">
+                      <a:solidFill>
+                        <a:srgbClr val="000000"/>
+                      </a:solidFill>
+                      <a:prstDash val="solid"/>
+                      <a:round/>
+                      <a:headEnd type="none" w="med" len="med"/>
+                      <a:tailEnd type="none" w="med" len="med"/>
+                    </a:lnT>
+                    <a:lnB w="12700" cap="flat" cmpd="sng" algn="ctr">
+                      <a:solidFill>
+                        <a:srgbClr val="000000"/>
+                      </a:solidFill>
+                      <a:prstDash val="solid"/>
+                      <a:round/>
+                      <a:headEnd type="none" w="med" len="med"/>
+                      <a:tailEnd type="none" w="med" len="med"/>
+                    </a:lnB>
+                  </a:tcPr>
+                </a:tc>
+                <a:tc>
+                  <a:txBody>
+                    <a:bodyPr/>
+                    <a:lstStyle/>
+                    <a:p>
+                      <a:pPr marL="0" marR="0" algn="r" rtl="1">
+                        <a:spcBef>
+                          <a:spcPts val="0"/>
+                        </a:spcBef>
+                        <a:spcAft>
+                          <a:spcPts val="0"/>
+                        </a:spcAft>
+                      </a:pPr>
+                      <a:r>
+                        <a:rPr lang="he-IL" sz="2000">
+                          <a:latin typeface="Times New Roman"/>
+                          <a:ea typeface="Times New Roman"/>
+                          <a:cs typeface="Arial"/>
+                        </a:rPr>
+                        <a:t>35000-70000</a:t>
+                      </a:r>
+                      <a:endParaRPr lang="en-US" sz="2000">
+                        <a:latin typeface="Times New Roman"/>
+                        <a:ea typeface="Times New Roman"/>
+                      </a:endParaRPr>
+                    </a:p>
+                  </a:txBody>
+                  <a:tcPr marL="68580" marR="68580" marT="0" marB="0">
+                    <a:lnL w="12700" cap="flat" cmpd="sng" algn="ctr">
+                      <a:solidFill>
+                        <a:srgbClr val="000000"/>
+                      </a:solidFill>
+                      <a:prstDash val="solid"/>
+                      <a:round/>
+                      <a:headEnd type="none" w="med" len="med"/>
+                      <a:tailEnd type="none" w="med" len="med"/>
+                    </a:lnL>
+                    <a:lnR w="12700" cap="flat" cmpd="sng" algn="ctr">
+                      <a:solidFill>
+                        <a:srgbClr val="000000"/>
+                      </a:solidFill>
+                      <a:prstDash val="solid"/>
+                      <a:round/>
+                      <a:headEnd type="none" w="med" len="med"/>
+                      <a:tailEnd type="none" w="med" len="med"/>
+                    </a:lnR>
+                    <a:lnT w="12700" cap="flat" cmpd="sng" algn="ctr">
+                      <a:solidFill>
+                        <a:srgbClr val="000000"/>
+                      </a:solidFill>
+                      <a:prstDash val="solid"/>
+                      <a:round/>
+                      <a:headEnd type="none" w="med" len="med"/>
+                      <a:tailEnd type="none" w="med" len="med"/>
+                    </a:lnT>
+                    <a:lnB w="12700" cap="flat" cmpd="sng" algn="ctr">
+                      <a:solidFill>
+                        <a:srgbClr val="000000"/>
+                      </a:solidFill>
+                      <a:prstDash val="solid"/>
+                      <a:round/>
+                      <a:headEnd type="none" w="med" len="med"/>
+                      <a:tailEnd type="none" w="med" len="med"/>
+                    </a:lnB>
+                  </a:tcPr>
+                </a:tc>
+                <a:tc>
+                  <a:txBody>
+                    <a:bodyPr/>
+                    <a:lstStyle/>
+                    <a:p>
+                      <a:pPr marL="0" marR="0" algn="r" rtl="1">
+                        <a:spcBef>
+                          <a:spcPts val="0"/>
+                        </a:spcBef>
+                        <a:spcAft>
+                          <a:spcPts val="0"/>
+                        </a:spcAft>
+                      </a:pPr>
+                      <a:r>
+                        <a:rPr lang="he-IL" sz="2000">
+                          <a:latin typeface="Times New Roman"/>
+                          <a:ea typeface="Times New Roman"/>
+                          <a:cs typeface="Arial"/>
+                        </a:rPr>
+                        <a:t>50-500</a:t>
+                      </a:r>
+                      <a:endParaRPr lang="en-US" sz="2000">
+                        <a:latin typeface="Times New Roman"/>
+                        <a:ea typeface="Times New Roman"/>
+                      </a:endParaRPr>
+                    </a:p>
+                  </a:txBody>
+                  <a:tcPr marL="68580" marR="68580" marT="0" marB="0">
+                    <a:lnL w="12700" cap="flat" cmpd="sng" algn="ctr">
+                      <a:solidFill>
+                        <a:srgbClr val="000000"/>
+                      </a:solidFill>
+                      <a:prstDash val="solid"/>
+                      <a:round/>
+                      <a:headEnd type="none" w="med" len="med"/>
+                      <a:tailEnd type="none" w="med" len="med"/>
+                    </a:lnL>
+                    <a:lnR w="12700" cap="flat" cmpd="sng" algn="ctr">
+                      <a:solidFill>
+                        <a:srgbClr val="000000"/>
+                      </a:solidFill>
+                      <a:prstDash val="solid"/>
+                      <a:round/>
+                      <a:headEnd type="none" w="med" len="med"/>
+                      <a:tailEnd type="none" w="med" len="med"/>
+                    </a:lnR>
+                    <a:lnT w="12700" cap="flat" cmpd="sng" algn="ctr">
+                      <a:solidFill>
+                        <a:srgbClr val="000000"/>
+                      </a:solidFill>
+                      <a:prstDash val="solid"/>
+                      <a:round/>
+                      <a:headEnd type="none" w="med" len="med"/>
+                      <a:tailEnd type="none" w="med" len="med"/>
+                    </a:lnT>
+                    <a:lnB w="12700" cap="flat" cmpd="sng" algn="ctr">
+                      <a:solidFill>
+                        <a:srgbClr val="000000"/>
+                      </a:solidFill>
+                      <a:prstDash val="solid"/>
+                      <a:round/>
+                      <a:headEnd type="none" w="med" len="med"/>
+                      <a:tailEnd type="none" w="med" len="med"/>
+                    </a:lnB>
+                  </a:tcPr>
+                </a:tc>
+                <a:tc>
+                  <a:txBody>
+                    <a:bodyPr/>
+                    <a:lstStyle/>
+                    <a:p>
+                      <a:pPr marL="0" marR="0" algn="r" rtl="1">
+                        <a:spcBef>
+                          <a:spcPts val="0"/>
+                        </a:spcBef>
+                        <a:spcAft>
+                          <a:spcPts val="0"/>
+                        </a:spcAft>
+                      </a:pPr>
+                      <a:r>
+                        <a:rPr lang="he-IL" sz="2000">
+                          <a:latin typeface="Times New Roman"/>
+                          <a:ea typeface="Times New Roman"/>
+                          <a:cs typeface="Arial"/>
+                        </a:rPr>
+                        <a:t>6500-9000</a:t>
+                      </a:r>
+                      <a:endParaRPr lang="en-US" sz="2000">
+                        <a:latin typeface="Times New Roman"/>
+                        <a:ea typeface="Times New Roman"/>
+                      </a:endParaRPr>
+                    </a:p>
+                  </a:txBody>
+                  <a:tcPr marL="68580" marR="68580" marT="0" marB="0">
+                    <a:lnL w="12700" cap="flat" cmpd="sng" algn="ctr">
+                      <a:solidFill>
+                        <a:srgbClr val="000000"/>
+                      </a:solidFill>
+                      <a:prstDash val="solid"/>
+                      <a:round/>
+                      <a:headEnd type="none" w="med" len="med"/>
+                      <a:tailEnd type="none" w="med" len="med"/>
+                    </a:lnL>
+                    <a:lnR w="12700" cap="flat" cmpd="sng" algn="ctr">
+                      <a:solidFill>
+                        <a:srgbClr val="000000"/>
+                      </a:solidFill>
+                      <a:prstDash val="solid"/>
+                      <a:round/>
+                      <a:headEnd type="none" w="med" len="med"/>
+                      <a:tailEnd type="none" w="med" len="med"/>
+                    </a:lnR>
+                    <a:lnT w="12700" cap="flat" cmpd="sng" algn="ctr">
+                      <a:solidFill>
+                        <a:srgbClr val="000000"/>
+                      </a:solidFill>
+                      <a:prstDash val="solid"/>
+                      <a:round/>
+                      <a:headEnd type="none" w="med" len="med"/>
+                      <a:tailEnd type="none" w="med" len="med"/>
+                    </a:lnT>
+                    <a:lnB w="12700" cap="flat" cmpd="sng" algn="ctr">
+                      <a:solidFill>
+                        <a:srgbClr val="000000"/>
+                      </a:solidFill>
+                      <a:prstDash val="solid"/>
+                      <a:round/>
+                      <a:headEnd type="none" w="med" len="med"/>
+                      <a:tailEnd type="none" w="med" len="med"/>
+                    </a:lnB>
+                  </a:tcPr>
+                </a:tc>
+              </a:tr>
+              <a:tr h="633882">
+                <a:tc>
+                  <a:txBody>
+                    <a:bodyPr/>
+                    <a:lstStyle/>
+                    <a:p>
+                      <a:pPr marL="0" marR="0" algn="r" rtl="1">
+                        <a:spcBef>
+                          <a:spcPts val="0"/>
+                        </a:spcBef>
+                        <a:spcAft>
+                          <a:spcPts val="0"/>
+                        </a:spcAft>
+                      </a:pPr>
+                      <a:r>
+                        <a:rPr lang="he-IL" sz="2000">
+                          <a:latin typeface="Times New Roman"/>
+                          <a:ea typeface="Times New Roman"/>
+                          <a:cs typeface="Arial"/>
+                        </a:rPr>
+                        <a:t>כיסוי פונקצינאלי</a:t>
+                      </a:r>
+                      <a:endParaRPr lang="en-US" sz="2000">
+                        <a:latin typeface="Times New Roman"/>
+                        <a:ea typeface="Times New Roman"/>
+                      </a:endParaRPr>
+                    </a:p>
+                  </a:txBody>
+                  <a:tcPr marL="68580" marR="68580" marT="0" marB="0">
+                    <a:lnL w="12700" cap="flat" cmpd="sng" algn="ctr">
+                      <a:solidFill>
+                        <a:srgbClr val="000000"/>
+                      </a:solidFill>
+                      <a:prstDash val="solid"/>
+                      <a:round/>
+                      <a:headEnd type="none" w="med" len="med"/>
+                      <a:tailEnd type="none" w="med" len="med"/>
+                    </a:lnL>
+                    <a:lnR w="12700" cap="flat" cmpd="sng" algn="ctr">
+                      <a:solidFill>
+                        <a:srgbClr val="000000"/>
+                      </a:solidFill>
+                      <a:prstDash val="solid"/>
+                      <a:round/>
+                      <a:headEnd type="none" w="med" len="med"/>
+                      <a:tailEnd type="none" w="med" len="med"/>
+                    </a:lnR>
+                    <a:lnT w="12700" cap="flat" cmpd="sng" algn="ctr">
+                      <a:solidFill>
+                        <a:srgbClr val="000000"/>
+                      </a:solidFill>
+                      <a:prstDash val="solid"/>
+                      <a:round/>
+                      <a:headEnd type="none" w="med" len="med"/>
+                      <a:tailEnd type="none" w="med" len="med"/>
+                    </a:lnT>
+                    <a:lnB w="12700" cap="flat" cmpd="sng" algn="ctr">
+                      <a:solidFill>
+                        <a:srgbClr val="000000"/>
+                      </a:solidFill>
+                      <a:prstDash val="solid"/>
+                      <a:round/>
+                      <a:headEnd type="none" w="med" len="med"/>
+                      <a:tailEnd type="none" w="med" len="med"/>
+                    </a:lnB>
+                  </a:tcPr>
+                </a:tc>
+                <a:tc>
+                  <a:txBody>
+                    <a:bodyPr/>
+                    <a:lstStyle/>
+                    <a:p>
+                      <a:pPr marL="0" marR="0" algn="r" rtl="1">
+                        <a:spcBef>
+                          <a:spcPts val="0"/>
+                        </a:spcBef>
+                        <a:spcAft>
+                          <a:spcPts val="0"/>
+                        </a:spcAft>
+                      </a:pPr>
+                      <a:r>
+                        <a:rPr lang="he-IL" sz="2000">
+                          <a:latin typeface="Times New Roman"/>
+                          <a:ea typeface="Times New Roman"/>
+                          <a:cs typeface="Arial"/>
+                        </a:rPr>
+                        <a:t>מושלם</a:t>
+                      </a:r>
+                      <a:endParaRPr lang="en-US" sz="2000">
+                        <a:latin typeface="Times New Roman"/>
+                        <a:ea typeface="Times New Roman"/>
+                      </a:endParaRPr>
+                    </a:p>
+                  </a:txBody>
+                  <a:tcPr marL="68580" marR="68580" marT="0" marB="0">
+                    <a:lnL w="12700" cap="flat" cmpd="sng" algn="ctr">
+                      <a:solidFill>
+                        <a:srgbClr val="000000"/>
+                      </a:solidFill>
+                      <a:prstDash val="solid"/>
+                      <a:round/>
+                      <a:headEnd type="none" w="med" len="med"/>
+                      <a:tailEnd type="none" w="med" len="med"/>
+                    </a:lnL>
+                    <a:lnR w="12700" cap="flat" cmpd="sng" algn="ctr">
+                      <a:solidFill>
+                        <a:srgbClr val="000000"/>
+                      </a:solidFill>
+                      <a:prstDash val="solid"/>
+                      <a:round/>
+                      <a:headEnd type="none" w="med" len="med"/>
+                      <a:tailEnd type="none" w="med" len="med"/>
+                    </a:lnR>
+                    <a:lnT w="12700" cap="flat" cmpd="sng" algn="ctr">
+                      <a:solidFill>
+                        <a:srgbClr val="000000"/>
+                      </a:solidFill>
+                      <a:prstDash val="solid"/>
+                      <a:round/>
+                      <a:headEnd type="none" w="med" len="med"/>
+                      <a:tailEnd type="none" w="med" len="med"/>
+                    </a:lnT>
+                    <a:lnB w="12700" cap="flat" cmpd="sng" algn="ctr">
+                      <a:solidFill>
+                        <a:srgbClr val="000000"/>
+                      </a:solidFill>
+                      <a:prstDash val="solid"/>
+                      <a:round/>
+                      <a:headEnd type="none" w="med" len="med"/>
+                      <a:tailEnd type="none" w="med" len="med"/>
+                    </a:lnB>
+                  </a:tcPr>
+                </a:tc>
+                <a:tc>
+                  <a:txBody>
+                    <a:bodyPr/>
+                    <a:lstStyle/>
+                    <a:p>
+                      <a:pPr marL="0" marR="0" algn="r" rtl="1">
+                        <a:spcBef>
+                          <a:spcPts val="0"/>
+                        </a:spcBef>
+                        <a:spcAft>
+                          <a:spcPts val="0"/>
+                        </a:spcAft>
+                      </a:pPr>
+                      <a:r>
+                        <a:rPr lang="he-IL" sz="2000">
+                          <a:latin typeface="Times New Roman"/>
+                          <a:ea typeface="Times New Roman"/>
+                          <a:cs typeface="Arial"/>
+                        </a:rPr>
+                        <a:t>חסרה שליטה בתזמון</a:t>
+                      </a:r>
+                      <a:endParaRPr lang="en-US" sz="2000">
+                        <a:latin typeface="Times New Roman"/>
+                        <a:ea typeface="Times New Roman"/>
+                      </a:endParaRPr>
+                    </a:p>
+                  </a:txBody>
+                  <a:tcPr marL="68580" marR="68580" marT="0" marB="0">
+                    <a:lnL w="12700" cap="flat" cmpd="sng" algn="ctr">
+                      <a:solidFill>
+                        <a:srgbClr val="000000"/>
+                      </a:solidFill>
+                      <a:prstDash val="solid"/>
+                      <a:round/>
+                      <a:headEnd type="none" w="med" len="med"/>
+                      <a:tailEnd type="none" w="med" len="med"/>
+                    </a:lnL>
+                    <a:lnR w="12700" cap="flat" cmpd="sng" algn="ctr">
+                      <a:solidFill>
+                        <a:srgbClr val="000000"/>
+                      </a:solidFill>
+                      <a:prstDash val="solid"/>
+                      <a:round/>
+                      <a:headEnd type="none" w="med" len="med"/>
+                      <a:tailEnd type="none" w="med" len="med"/>
+                    </a:lnR>
+                    <a:lnT w="12700" cap="flat" cmpd="sng" algn="ctr">
+                      <a:solidFill>
+                        <a:srgbClr val="000000"/>
+                      </a:solidFill>
+                      <a:prstDash val="solid"/>
+                      <a:round/>
+                      <a:headEnd type="none" w="med" len="med"/>
+                      <a:tailEnd type="none" w="med" len="med"/>
+                    </a:lnT>
+                    <a:lnB w="12700" cap="flat" cmpd="sng" algn="ctr">
+                      <a:solidFill>
+                        <a:srgbClr val="000000"/>
+                      </a:solidFill>
+                      <a:prstDash val="solid"/>
+                      <a:round/>
+                      <a:headEnd type="none" w="med" len="med"/>
+                      <a:tailEnd type="none" w="med" len="med"/>
+                    </a:lnB>
+                  </a:tcPr>
+                </a:tc>
+                <a:tc>
+                  <a:txBody>
+                    <a:bodyPr/>
+                    <a:lstStyle/>
+                    <a:p>
+                      <a:pPr marL="0" marR="0" algn="r" rtl="1">
+                        <a:spcBef>
+                          <a:spcPts val="0"/>
+                        </a:spcBef>
+                        <a:spcAft>
+                          <a:spcPts val="0"/>
+                        </a:spcAft>
+                      </a:pPr>
+                      <a:r>
+                        <a:rPr lang="he-IL" sz="2000">
+                          <a:latin typeface="Times New Roman"/>
+                          <a:ea typeface="Times New Roman"/>
+                          <a:cs typeface="Arial"/>
+                        </a:rPr>
+                        <a:t>מושלם</a:t>
+                      </a:r>
+                      <a:endParaRPr lang="en-US" sz="2000">
+                        <a:latin typeface="Times New Roman"/>
+                        <a:ea typeface="Times New Roman"/>
+                      </a:endParaRPr>
+                    </a:p>
+                  </a:txBody>
+                  <a:tcPr marL="68580" marR="68580" marT="0" marB="0">
+                    <a:lnL w="12700" cap="flat" cmpd="sng" algn="ctr">
+                      <a:solidFill>
+                        <a:srgbClr val="000000"/>
+                      </a:solidFill>
+                      <a:prstDash val="solid"/>
+                      <a:round/>
+                      <a:headEnd type="none" w="med" len="med"/>
+                      <a:tailEnd type="none" w="med" len="med"/>
+                    </a:lnL>
+                    <a:lnR w="12700" cap="flat" cmpd="sng" algn="ctr">
+                      <a:solidFill>
+                        <a:srgbClr val="000000"/>
+                      </a:solidFill>
+                      <a:prstDash val="solid"/>
+                      <a:round/>
+                      <a:headEnd type="none" w="med" len="med"/>
+                      <a:tailEnd type="none" w="med" len="med"/>
+                    </a:lnR>
+                    <a:lnT w="12700" cap="flat" cmpd="sng" algn="ctr">
+                      <a:solidFill>
+                        <a:srgbClr val="000000"/>
+                      </a:solidFill>
+                      <a:prstDash val="solid"/>
+                      <a:round/>
+                      <a:headEnd type="none" w="med" len="med"/>
+                      <a:tailEnd type="none" w="med" len="med"/>
+                    </a:lnT>
+                    <a:lnB w="12700" cap="flat" cmpd="sng" algn="ctr">
+                      <a:solidFill>
+                        <a:srgbClr val="000000"/>
+                      </a:solidFill>
+                      <a:prstDash val="solid"/>
+                      <a:round/>
+                      <a:headEnd type="none" w="med" len="med"/>
+                      <a:tailEnd type="none" w="med" len="med"/>
+                    </a:lnB>
+                  </a:tcPr>
+                </a:tc>
+              </a:tr>
+              <a:tr h="1584704">
+                <a:tc>
+                  <a:txBody>
+                    <a:bodyPr/>
+                    <a:lstStyle/>
+                    <a:p>
+                      <a:pPr marL="0" marR="0" algn="r" rtl="1">
+                        <a:spcBef>
+                          <a:spcPts val="0"/>
+                        </a:spcBef>
+                        <a:spcAft>
+                          <a:spcPts val="0"/>
+                        </a:spcAft>
+                      </a:pPr>
+                      <a:r>
+                        <a:rPr lang="he-IL" sz="2000">
+                          <a:latin typeface="Times New Roman"/>
+                          <a:ea typeface="Times New Roman"/>
+                          <a:cs typeface="Arial"/>
+                        </a:rPr>
+                        <a:t>קלות שימוש</a:t>
+                      </a:r>
+                      <a:endParaRPr lang="en-US" sz="2000">
+                        <a:latin typeface="Times New Roman"/>
+                        <a:ea typeface="Times New Roman"/>
+                      </a:endParaRPr>
+                    </a:p>
+                  </a:txBody>
+                  <a:tcPr marL="68580" marR="68580" marT="0" marB="0">
+                    <a:lnL w="12700" cap="flat" cmpd="sng" algn="ctr">
+                      <a:solidFill>
+                        <a:srgbClr val="000000"/>
+                      </a:solidFill>
+                      <a:prstDash val="solid"/>
+                      <a:round/>
+                      <a:headEnd type="none" w="med" len="med"/>
+                      <a:tailEnd type="none" w="med" len="med"/>
+                    </a:lnL>
+                    <a:lnR w="12700" cap="flat" cmpd="sng" algn="ctr">
+                      <a:solidFill>
+                        <a:srgbClr val="000000"/>
+                      </a:solidFill>
+                      <a:prstDash val="solid"/>
+                      <a:round/>
+                      <a:headEnd type="none" w="med" len="med"/>
+                      <a:tailEnd type="none" w="med" len="med"/>
+                    </a:lnR>
+                    <a:lnT w="12700" cap="flat" cmpd="sng" algn="ctr">
+                      <a:solidFill>
+                        <a:srgbClr val="000000"/>
+                      </a:solidFill>
+                      <a:prstDash val="solid"/>
+                      <a:round/>
+                      <a:headEnd type="none" w="med" len="med"/>
+                      <a:tailEnd type="none" w="med" len="med"/>
+                    </a:lnT>
+                    <a:lnB w="12700" cap="flat" cmpd="sng" algn="ctr">
+                      <a:solidFill>
+                        <a:srgbClr val="000000"/>
+                      </a:solidFill>
+                      <a:prstDash val="solid"/>
+                      <a:round/>
+                      <a:headEnd type="none" w="med" len="med"/>
+                      <a:tailEnd type="none" w="med" len="med"/>
+                    </a:lnB>
+                  </a:tcPr>
+                </a:tc>
+                <a:tc>
+                  <a:txBody>
+                    <a:bodyPr/>
+                    <a:lstStyle/>
+                    <a:p>
+                      <a:pPr marL="0" marR="0" algn="r" rtl="1">
+                        <a:spcBef>
+                          <a:spcPts val="0"/>
+                        </a:spcBef>
+                        <a:spcAft>
+                          <a:spcPts val="0"/>
+                        </a:spcAft>
+                      </a:pPr>
+                      <a:r>
+                        <a:rPr lang="he-IL" sz="2000">
+                          <a:latin typeface="Times New Roman"/>
+                          <a:ea typeface="Times New Roman"/>
+                          <a:cs typeface="Arial"/>
+                        </a:rPr>
+                        <a:t>מסובך – יש ללמוד </a:t>
+                      </a:r>
+                      <a:r>
+                        <a:rPr lang="en-US" sz="2000">
+                          <a:latin typeface="Arial"/>
+                          <a:ea typeface="Times New Roman"/>
+                        </a:rPr>
+                        <a:t>VBScript</a:t>
+                      </a:r>
+                      <a:endParaRPr lang="en-US" sz="2000">
+                        <a:latin typeface="Times New Roman"/>
+                        <a:ea typeface="Times New Roman"/>
+                      </a:endParaRPr>
+                    </a:p>
+                  </a:txBody>
+                  <a:tcPr marL="68580" marR="68580" marT="0" marB="0">
+                    <a:lnL w="12700" cap="flat" cmpd="sng" algn="ctr">
+                      <a:solidFill>
+                        <a:srgbClr val="000000"/>
+                      </a:solidFill>
+                      <a:prstDash val="solid"/>
+                      <a:round/>
+                      <a:headEnd type="none" w="med" len="med"/>
+                      <a:tailEnd type="none" w="med" len="med"/>
+                    </a:lnL>
+                    <a:lnR w="12700" cap="flat" cmpd="sng" algn="ctr">
+                      <a:solidFill>
+                        <a:srgbClr val="000000"/>
+                      </a:solidFill>
+                      <a:prstDash val="solid"/>
+                      <a:round/>
+                      <a:headEnd type="none" w="med" len="med"/>
+                      <a:tailEnd type="none" w="med" len="med"/>
+                    </a:lnR>
+                    <a:lnT w="12700" cap="flat" cmpd="sng" algn="ctr">
+                      <a:solidFill>
+                        <a:srgbClr val="000000"/>
+                      </a:solidFill>
+                      <a:prstDash val="solid"/>
+                      <a:round/>
+                      <a:headEnd type="none" w="med" len="med"/>
+                      <a:tailEnd type="none" w="med" len="med"/>
+                    </a:lnT>
+                    <a:lnB w="12700" cap="flat" cmpd="sng" algn="ctr">
+                      <a:solidFill>
+                        <a:srgbClr val="000000"/>
+                      </a:solidFill>
+                      <a:prstDash val="solid"/>
+                      <a:round/>
+                      <a:headEnd type="none" w="med" len="med"/>
+                      <a:tailEnd type="none" w="med" len="med"/>
+                    </a:lnB>
+                  </a:tcPr>
+                </a:tc>
+                <a:tc>
+                  <a:txBody>
+                    <a:bodyPr/>
+                    <a:lstStyle/>
+                    <a:p>
+                      <a:pPr marL="0" marR="0" algn="r" rtl="1">
+                        <a:spcBef>
+                          <a:spcPts val="0"/>
+                        </a:spcBef>
+                        <a:spcAft>
+                          <a:spcPts val="0"/>
+                        </a:spcAft>
+                      </a:pPr>
+                      <a:r>
+                        <a:rPr lang="he-IL" sz="2000">
+                          <a:latin typeface="Times New Roman"/>
+                          <a:ea typeface="Times New Roman"/>
+                          <a:cs typeface="Arial"/>
+                        </a:rPr>
+                        <a:t>פשוט</a:t>
+                      </a:r>
+                      <a:endParaRPr lang="en-US" sz="2000">
+                        <a:latin typeface="Times New Roman"/>
+                        <a:ea typeface="Times New Roman"/>
+                      </a:endParaRPr>
+                    </a:p>
+                  </a:txBody>
+                  <a:tcPr marL="68580" marR="68580" marT="0" marB="0">
+                    <a:lnL w="12700" cap="flat" cmpd="sng" algn="ctr">
+                      <a:solidFill>
+                        <a:srgbClr val="000000"/>
+                      </a:solidFill>
+                      <a:prstDash val="solid"/>
+                      <a:round/>
+                      <a:headEnd type="none" w="med" len="med"/>
+                      <a:tailEnd type="none" w="med" len="med"/>
+                    </a:lnL>
+                    <a:lnR w="12700" cap="flat" cmpd="sng" algn="ctr">
+                      <a:solidFill>
+                        <a:srgbClr val="000000"/>
+                      </a:solidFill>
+                      <a:prstDash val="solid"/>
+                      <a:round/>
+                      <a:headEnd type="none" w="med" len="med"/>
+                      <a:tailEnd type="none" w="med" len="med"/>
+                    </a:lnR>
+                    <a:lnT w="12700" cap="flat" cmpd="sng" algn="ctr">
+                      <a:solidFill>
+                        <a:srgbClr val="000000"/>
+                      </a:solidFill>
+                      <a:prstDash val="solid"/>
+                      <a:round/>
+                      <a:headEnd type="none" w="med" len="med"/>
+                      <a:tailEnd type="none" w="med" len="med"/>
+                    </a:lnT>
+                    <a:lnB w="12700" cap="flat" cmpd="sng" algn="ctr">
+                      <a:solidFill>
+                        <a:srgbClr val="000000"/>
+                      </a:solidFill>
+                      <a:prstDash val="solid"/>
+                      <a:round/>
+                      <a:headEnd type="none" w="med" len="med"/>
+                      <a:tailEnd type="none" w="med" len="med"/>
+                    </a:lnB>
+                  </a:tcPr>
+                </a:tc>
+                <a:tc>
+                  <a:txBody>
+                    <a:bodyPr/>
+                    <a:lstStyle/>
+                    <a:p>
+                      <a:pPr marL="0" marR="0" algn="r" rtl="1">
+                        <a:spcBef>
+                          <a:spcPts val="0"/>
+                        </a:spcBef>
+                        <a:spcAft>
+                          <a:spcPts val="0"/>
+                        </a:spcAft>
+                      </a:pPr>
+                      <a:r>
+                        <a:rPr lang="he-IL" sz="2000">
+                          <a:latin typeface="Times New Roman"/>
+                          <a:ea typeface="Times New Roman"/>
+                          <a:cs typeface="Arial"/>
+                        </a:rPr>
+                        <a:t>בינוני – יש לדעת </a:t>
+                      </a:r>
+                      <a:r>
+                        <a:rPr lang="en-GB" sz="2000">
+                          <a:latin typeface="Arial"/>
+                          <a:ea typeface="Times New Roman"/>
+                        </a:rPr>
+                        <a:t>JAVA</a:t>
+                      </a:r>
+                      <a:r>
+                        <a:rPr lang="he-IL" sz="2000">
+                          <a:latin typeface="Times New Roman"/>
+                          <a:ea typeface="Times New Roman"/>
+                          <a:cs typeface="Arial"/>
+                        </a:rPr>
+                        <a:t> ברמה בינונית/נמוכה.</a:t>
+                      </a:r>
+                      <a:endParaRPr lang="en-US" sz="2000">
+                        <a:latin typeface="Times New Roman"/>
+                        <a:ea typeface="Times New Roman"/>
+                      </a:endParaRPr>
+                    </a:p>
+                  </a:txBody>
+                  <a:tcPr marL="68580" marR="68580" marT="0" marB="0">
+                    <a:lnL w="12700" cap="flat" cmpd="sng" algn="ctr">
+                      <a:solidFill>
+                        <a:srgbClr val="000000"/>
+                      </a:solidFill>
+                      <a:prstDash val="solid"/>
+                      <a:round/>
+                      <a:headEnd type="none" w="med" len="med"/>
+                      <a:tailEnd type="none" w="med" len="med"/>
+                    </a:lnL>
+                    <a:lnR w="12700" cap="flat" cmpd="sng" algn="ctr">
+                      <a:solidFill>
+                        <a:srgbClr val="000000"/>
+                      </a:solidFill>
+                      <a:prstDash val="solid"/>
+                      <a:round/>
+                      <a:headEnd type="none" w="med" len="med"/>
+                      <a:tailEnd type="none" w="med" len="med"/>
+                    </a:lnR>
+                    <a:lnT w="12700" cap="flat" cmpd="sng" algn="ctr">
+                      <a:solidFill>
+                        <a:srgbClr val="000000"/>
+                      </a:solidFill>
+                      <a:prstDash val="solid"/>
+                      <a:round/>
+                      <a:headEnd type="none" w="med" len="med"/>
+                      <a:tailEnd type="none" w="med" len="med"/>
+                    </a:lnT>
+                    <a:lnB w="12700" cap="flat" cmpd="sng" algn="ctr">
+                      <a:solidFill>
+                        <a:srgbClr val="000000"/>
+                      </a:solidFill>
+                      <a:prstDash val="solid"/>
+                      <a:round/>
+                      <a:headEnd type="none" w="med" len="med"/>
+                      <a:tailEnd type="none" w="med" len="med"/>
+                    </a:lnB>
+                  </a:tcPr>
+                </a:tc>
+              </a:tr>
+              <a:tr h="633882">
+                <a:tc>
+                  <a:txBody>
+                    <a:bodyPr/>
+                    <a:lstStyle/>
+                    <a:p>
+                      <a:pPr marL="0" marR="0" algn="r" rtl="1">
+                        <a:spcBef>
+                          <a:spcPts val="0"/>
+                        </a:spcBef>
+                        <a:spcAft>
+                          <a:spcPts val="0"/>
+                        </a:spcAft>
+                      </a:pPr>
+                      <a:r>
+                        <a:rPr lang="en-US" sz="2000">
+                          <a:latin typeface="Arial"/>
+                          <a:ea typeface="Times New Roman"/>
+                        </a:rPr>
+                        <a:t>Scripting</a:t>
+                      </a:r>
+                      <a:endParaRPr lang="en-US" sz="2000">
+                        <a:latin typeface="Times New Roman"/>
+                        <a:ea typeface="Times New Roman"/>
+                      </a:endParaRPr>
+                    </a:p>
+                  </a:txBody>
+                  <a:tcPr marL="68580" marR="68580" marT="0" marB="0">
+                    <a:lnL w="12700" cap="flat" cmpd="sng" algn="ctr">
+                      <a:solidFill>
+                        <a:srgbClr val="000000"/>
+                      </a:solidFill>
+                      <a:prstDash val="solid"/>
+                      <a:round/>
+                      <a:headEnd type="none" w="med" len="med"/>
+                      <a:tailEnd type="none" w="med" len="med"/>
+                    </a:lnL>
+                    <a:lnR w="12700" cap="flat" cmpd="sng" algn="ctr">
+                      <a:solidFill>
+                        <a:srgbClr val="000000"/>
+                      </a:solidFill>
+                      <a:prstDash val="solid"/>
+                      <a:round/>
+                      <a:headEnd type="none" w="med" len="med"/>
+                      <a:tailEnd type="none" w="med" len="med"/>
+                    </a:lnR>
+                    <a:lnT w="12700" cap="flat" cmpd="sng" algn="ctr">
+                      <a:solidFill>
+                        <a:srgbClr val="000000"/>
+                      </a:solidFill>
+                      <a:prstDash val="solid"/>
+                      <a:round/>
+                      <a:headEnd type="none" w="med" len="med"/>
+                      <a:tailEnd type="none" w="med" len="med"/>
+                    </a:lnT>
+                    <a:lnB w="12700" cap="flat" cmpd="sng" algn="ctr">
+                      <a:solidFill>
+                        <a:srgbClr val="000000"/>
+                      </a:solidFill>
+                      <a:prstDash val="solid"/>
+                      <a:round/>
+                      <a:headEnd type="none" w="med" len="med"/>
+                      <a:tailEnd type="none" w="med" len="med"/>
+                    </a:lnB>
+                  </a:tcPr>
+                </a:tc>
+                <a:tc>
+                  <a:txBody>
+                    <a:bodyPr/>
+                    <a:lstStyle/>
+                    <a:p>
+                      <a:pPr marL="0" marR="0" algn="r" rtl="1">
+                        <a:spcBef>
+                          <a:spcPts val="0"/>
+                        </a:spcBef>
+                        <a:spcAft>
+                          <a:spcPts val="0"/>
+                        </a:spcAft>
+                      </a:pPr>
+                      <a:r>
+                        <a:rPr lang="en-US" sz="2000">
+                          <a:latin typeface="Arial"/>
+                          <a:ea typeface="Times New Roman"/>
+                        </a:rPr>
+                        <a:t>VBScript</a:t>
+                      </a:r>
+                      <a:endParaRPr lang="en-US" sz="2000">
+                        <a:latin typeface="Times New Roman"/>
+                        <a:ea typeface="Times New Roman"/>
+                      </a:endParaRPr>
+                    </a:p>
+                  </a:txBody>
+                  <a:tcPr marL="68580" marR="68580" marT="0" marB="0">
+                    <a:lnL w="12700" cap="flat" cmpd="sng" algn="ctr">
+                      <a:solidFill>
+                        <a:srgbClr val="000000"/>
+                      </a:solidFill>
+                      <a:prstDash val="solid"/>
+                      <a:round/>
+                      <a:headEnd type="none" w="med" len="med"/>
+                      <a:tailEnd type="none" w="med" len="med"/>
+                    </a:lnL>
+                    <a:lnR w="12700" cap="flat" cmpd="sng" algn="ctr">
+                      <a:solidFill>
+                        <a:srgbClr val="000000"/>
+                      </a:solidFill>
+                      <a:prstDash val="solid"/>
+                      <a:round/>
+                      <a:headEnd type="none" w="med" len="med"/>
+                      <a:tailEnd type="none" w="med" len="med"/>
+                    </a:lnR>
+                    <a:lnT w="12700" cap="flat" cmpd="sng" algn="ctr">
+                      <a:solidFill>
+                        <a:srgbClr val="000000"/>
+                      </a:solidFill>
+                      <a:prstDash val="solid"/>
+                      <a:round/>
+                      <a:headEnd type="none" w="med" len="med"/>
+                      <a:tailEnd type="none" w="med" len="med"/>
+                    </a:lnT>
+                    <a:lnB w="12700" cap="flat" cmpd="sng" algn="ctr">
+                      <a:solidFill>
+                        <a:srgbClr val="000000"/>
+                      </a:solidFill>
+                      <a:prstDash val="solid"/>
+                      <a:round/>
+                      <a:headEnd type="none" w="med" len="med"/>
+                      <a:tailEnd type="none" w="med" len="med"/>
+                    </a:lnB>
+                  </a:tcPr>
+                </a:tc>
+                <a:tc>
+                  <a:txBody>
+                    <a:bodyPr/>
+                    <a:lstStyle/>
+                    <a:p>
+                      <a:pPr marL="0" marR="0" algn="r" rtl="1">
+                        <a:spcBef>
+                          <a:spcPts val="0"/>
+                        </a:spcBef>
+                        <a:spcAft>
+                          <a:spcPts val="0"/>
+                        </a:spcAft>
+                      </a:pPr>
+                      <a:r>
+                        <a:rPr lang="en-US" sz="2000">
+                          <a:latin typeface="Arial"/>
+                          <a:ea typeface="Times New Roman"/>
+                        </a:rPr>
+                        <a:t>Proprietary</a:t>
+                      </a:r>
+                      <a:endParaRPr lang="en-US" sz="2000">
+                        <a:latin typeface="Times New Roman"/>
+                        <a:ea typeface="Times New Roman"/>
+                      </a:endParaRPr>
+                    </a:p>
+                  </a:txBody>
+                  <a:tcPr marL="68580" marR="68580" marT="0" marB="0">
+                    <a:lnL w="12700" cap="flat" cmpd="sng" algn="ctr">
+                      <a:solidFill>
+                        <a:srgbClr val="000000"/>
+                      </a:solidFill>
+                      <a:prstDash val="solid"/>
+                      <a:round/>
+                      <a:headEnd type="none" w="med" len="med"/>
+                      <a:tailEnd type="none" w="med" len="med"/>
+                    </a:lnL>
+                    <a:lnR w="12700" cap="flat" cmpd="sng" algn="ctr">
+                      <a:solidFill>
+                        <a:srgbClr val="000000"/>
+                      </a:solidFill>
+                      <a:prstDash val="solid"/>
+                      <a:round/>
+                      <a:headEnd type="none" w="med" len="med"/>
+                      <a:tailEnd type="none" w="med" len="med"/>
+                    </a:lnR>
+                    <a:lnT w="12700" cap="flat" cmpd="sng" algn="ctr">
+                      <a:solidFill>
+                        <a:srgbClr val="000000"/>
+                      </a:solidFill>
+                      <a:prstDash val="solid"/>
+                      <a:round/>
+                      <a:headEnd type="none" w="med" len="med"/>
+                      <a:tailEnd type="none" w="med" len="med"/>
+                    </a:lnT>
+                    <a:lnB w="12700" cap="flat" cmpd="sng" algn="ctr">
+                      <a:solidFill>
+                        <a:srgbClr val="000000"/>
+                      </a:solidFill>
+                      <a:prstDash val="solid"/>
+                      <a:round/>
+                      <a:headEnd type="none" w="med" len="med"/>
+                      <a:tailEnd type="none" w="med" len="med"/>
+                    </a:lnB>
+                  </a:tcPr>
+                </a:tc>
+                <a:tc>
+                  <a:txBody>
+                    <a:bodyPr/>
+                    <a:lstStyle/>
+                    <a:p>
+                      <a:pPr marL="0" marR="0" algn="r" rtl="1">
+                        <a:spcBef>
+                          <a:spcPts val="0"/>
+                        </a:spcBef>
+                        <a:spcAft>
+                          <a:spcPts val="0"/>
+                        </a:spcAft>
+                      </a:pPr>
+                      <a:r>
+                        <a:rPr lang="en-GB" sz="2000" dirty="0">
+                          <a:latin typeface="Arial"/>
+                          <a:ea typeface="Times New Roman"/>
+                        </a:rPr>
+                        <a:t>JAVA</a:t>
+                      </a:r>
+                      <a:endParaRPr lang="en-US" sz="2000" dirty="0">
+                        <a:latin typeface="Times New Roman"/>
+                        <a:ea typeface="Times New Roman"/>
+                      </a:endParaRPr>
+                    </a:p>
+                  </a:txBody>
+                  <a:tcPr marL="68580" marR="68580" marT="0" marB="0">
+                    <a:lnL w="12700" cap="flat" cmpd="sng" algn="ctr">
+                      <a:solidFill>
+                        <a:srgbClr val="000000"/>
+                      </a:solidFill>
+                      <a:prstDash val="solid"/>
+                      <a:round/>
+                      <a:headEnd type="none" w="med" len="med"/>
+                      <a:tailEnd type="none" w="med" len="med"/>
+                    </a:lnL>
+                    <a:lnR w="12700" cap="flat" cmpd="sng" algn="ctr">
+                      <a:solidFill>
+                        <a:srgbClr val="000000"/>
+                      </a:solidFill>
+                      <a:prstDash val="solid"/>
+                      <a:round/>
+                      <a:headEnd type="none" w="med" len="med"/>
+                      <a:tailEnd type="none" w="med" len="med"/>
+                    </a:lnR>
+                    <a:lnT w="12700" cap="flat" cmpd="sng" algn="ctr">
+                      <a:solidFill>
+                        <a:srgbClr val="000000"/>
+                      </a:solidFill>
+                      <a:prstDash val="solid"/>
+                      <a:round/>
+                      <a:headEnd type="none" w="med" len="med"/>
+                      <a:tailEnd type="none" w="med" len="med"/>
+                    </a:lnT>
+                    <a:lnB w="12700" cap="flat" cmpd="sng" algn="ctr">
+                      <a:solidFill>
+                        <a:srgbClr val="000000"/>
+                      </a:solidFill>
+                      <a:prstDash val="solid"/>
+                      <a:round/>
+                      <a:headEnd type="none" w="med" len="med"/>
+                      <a:tailEnd type="none" w="med" len="med"/>
+                    </a:lnB>
+                  </a:tcPr>
+                </a:tc>
+              </a:tr>
+            </a:tbl>
+          </a:graphicData>
+        </a:graphic>
+      </p:graphicFrame>
+    </p:spTree>
+  </p:cSld>
+  <p:clrMapOvr>
+    <a:masterClrMapping/>
+  </p:clrMapOvr>
+</p:sld>
+</file>
+
+<file path=ppt/slides/slide6.xml><?xml version="1.0" encoding="utf-8"?>
+<p:sld xmlns:a="http://schemas.openxmlformats.org/drawingml/2006/main" xmlns:r="http://schemas.openxmlformats.org/officeDocument/2006/relationships" xmlns:p="http://schemas.openxmlformats.org/presentationml/2006/main">
+  <p:cSld>
+    <p:spTree>
+      <p:nvGrpSpPr>
+        <p:cNvPr id="1" name=""/>
+        <p:cNvGrpSpPr/>
+        <p:nvPr/>
+      </p:nvGrpSpPr>
+      <p:grpSpPr>
+        <a:xfrm>
+          <a:off x="0" y="0"/>
+          <a:ext cx="0" cy="0"/>
+          <a:chOff x="0" y="0"/>
+          <a:chExt cx="0" cy="0"/>
+        </a:xfrm>
+      </p:grpSpPr>
+      <p:sp>
+        <p:nvSpPr>
+          <p:cNvPr id="2" name="Title 1"/>
+          <p:cNvSpPr>
+            <a:spLocks noGrp="1"/>
+          </p:cNvSpPr>
+          <p:nvPr>
+            <p:ph type="title"/>
+          </p:nvPr>
+        </p:nvSpPr>
+        <p:spPr/>
+        <p:txBody>
+          <a:bodyPr/>
+          <a:lstStyle/>
+          <a:p>
+            <a:r>
+              <a:rPr lang="he-IL" dirty="0" smtClean="0"/>
+              <a:t>חלופות פרטניות</a:t>
+            </a:r>
+            <a:endParaRPr lang="he-IL" dirty="0"/>
+          </a:p>
+        </p:txBody>
+      </p:sp>
+      <p:sp>
+        <p:nvSpPr>
+          <p:cNvPr id="3" name="Content Placeholder 2"/>
+          <p:cNvSpPr>
+            <a:spLocks noGrp="1"/>
+          </p:cNvSpPr>
+          <p:nvPr>
+            <p:ph idx="1"/>
+          </p:nvPr>
+        </p:nvSpPr>
+        <p:spPr/>
+        <p:txBody>
+          <a:bodyPr/>
+          <a:lstStyle/>
+          <a:p>
+            <a:r>
+              <a:rPr lang="he-IL" sz="1600" dirty="0" smtClean="0"/>
+              <a:t>התממשקות לדפדפן:</a:t>
+            </a:r>
+          </a:p>
+          <a:p>
+            <a:pPr lvl="1"/>
+            <a:r>
+              <a:rPr lang="en-US" sz="1600" dirty="0" smtClean="0"/>
+              <a:t>mshtml.dll</a:t>
+            </a:r>
+            <a:endParaRPr lang="he-IL" sz="1600" dirty="0" smtClean="0"/>
+          </a:p>
+          <a:p>
+            <a:pPr lvl="1"/>
+            <a:r>
+              <a:rPr lang="en-US" sz="1600" dirty="0" err="1" smtClean="0"/>
+              <a:t>WatiN</a:t>
+            </a:r>
+            <a:endParaRPr lang="he-IL" sz="1600" dirty="0" smtClean="0"/>
+          </a:p>
+          <a:p>
+            <a:r>
+              <a:rPr lang="he-IL" sz="1600" dirty="0" smtClean="0"/>
+              <a:t>כתיבת תסריט:</a:t>
+            </a:r>
+          </a:p>
+          <a:p>
+            <a:pPr lvl="1"/>
+            <a:r>
+              <a:rPr lang="he-IL" sz="1600" dirty="0" smtClean="0"/>
+              <a:t>שפת תסריט סטנדרטית (</a:t>
+            </a:r>
+            <a:r>
+              <a:rPr lang="en-US" sz="1600" dirty="0" smtClean="0"/>
+              <a:t>Python</a:t>
+            </a:r>
+            <a:r>
+              <a:rPr lang="he-IL" sz="1600" dirty="0" smtClean="0"/>
+              <a:t>)</a:t>
+            </a:r>
+          </a:p>
+          <a:p>
+            <a:pPr lvl="1"/>
+            <a:r>
+              <a:rPr lang="he-IL" sz="1600" dirty="0" smtClean="0"/>
+              <a:t>שפת תסריט ייעודית</a:t>
+            </a:r>
+          </a:p>
+          <a:p>
+            <a:pPr lvl="1"/>
+            <a:r>
+              <a:rPr lang="he-IL" sz="1600" dirty="0" smtClean="0"/>
+              <a:t>בניית תסריט בצורה גרפית</a:t>
+            </a:r>
+          </a:p>
+          <a:p>
+            <a:r>
+              <a:rPr lang="he-IL" sz="1600" dirty="0" smtClean="0"/>
+              <a:t>בסיס נתונים</a:t>
+            </a:r>
+          </a:p>
+          <a:p>
+            <a:pPr lvl="1"/>
+            <a:r>
+              <a:rPr lang="en-US" sz="1600" dirty="0" smtClean="0"/>
+              <a:t>MS SQL Compact 3.5</a:t>
+            </a:r>
+            <a:endParaRPr lang="en-US" sz="1600" dirty="0" smtClean="0"/>
+          </a:p>
+          <a:p>
+            <a:pPr lvl="1"/>
+            <a:r>
+              <a:rPr lang="en-US" sz="1600" dirty="0" err="1" smtClean="0"/>
+              <a:t>Sqlite</a:t>
+            </a:r>
+            <a:endParaRPr lang="he-IL" sz="1600" dirty="0" smtClean="0"/>
+          </a:p>
+          <a:p>
+            <a:r>
+              <a:rPr lang="he-IL" sz="1600" dirty="0" smtClean="0"/>
+              <a:t>סוג דפדפן:</a:t>
+            </a:r>
+          </a:p>
+          <a:p>
+            <a:pPr lvl="1"/>
+            <a:r>
+              <a:rPr lang="en-US" sz="1600" dirty="0" smtClean="0"/>
+              <a:t>IE</a:t>
+            </a:r>
+          </a:p>
+          <a:p>
+            <a:pPr lvl="1"/>
+            <a:r>
+              <a:rPr lang="en-US" sz="1600" dirty="0" smtClean="0"/>
+              <a:t>Firefox</a:t>
+            </a:r>
+          </a:p>
+          <a:p>
+            <a:pPr lvl="1"/>
+            <a:r>
+              <a:rPr lang="en-US" sz="1600" dirty="0" smtClean="0"/>
+              <a:t>Embedded IE</a:t>
+            </a:r>
+          </a:p>
+          <a:p>
+            <a:endParaRPr lang="he-IL" dirty="0"/>
+          </a:p>
+        </p:txBody>
+      </p:sp>
+    </p:spTree>
+  </p:cSld>
+  <p:clrMapOvr>
+    <a:masterClrMapping/>
+  </p:clrMapOvr>
+</p:sld>
+</file>
+
+<file path=ppt/slides/slide7.xml><?xml version="1.0" encoding="utf-8"?>
+<p:sld xmlns:a="http://schemas.openxmlformats.org/drawingml/2006/main" xmlns:r="http://schemas.openxmlformats.org/officeDocument/2006/relationships" xmlns:p="http://schemas.openxmlformats.org/presentationml/2006/main">
+  <p:cSld>
+    <p:spTree>
+      <p:nvGrpSpPr>
+        <p:cNvPr id="1" name=""/>
+        <p:cNvGrpSpPr/>
+        <p:nvPr/>
+      </p:nvGrpSpPr>
+      <p:grpSpPr>
+        <a:xfrm>
+          <a:off x="0" y="0"/>
+          <a:ext cx="0" cy="0"/>
+          <a:chOff x="0" y="0"/>
+          <a:chExt cx="0" cy="0"/>
+        </a:xfrm>
+      </p:grpSpPr>
+      <p:sp>
+        <p:nvSpPr>
+          <p:cNvPr id="2" name="Title 1"/>
+          <p:cNvSpPr>
+            <a:spLocks noGrp="1"/>
+          </p:cNvSpPr>
+          <p:nvPr>
+            <p:ph type="title"/>
+          </p:nvPr>
+        </p:nvSpPr>
+        <p:spPr/>
+        <p:txBody>
+          <a:bodyPr/>
+          <a:lstStyle/>
+          <a:p>
+            <a:r>
+              <a:rPr lang="he-IL" dirty="0" smtClean="0"/>
+              <a:t>תכנון ראשוני</a:t>
+            </a:r>
+            <a:endParaRPr lang="he-IL" dirty="0"/>
+          </a:p>
+        </p:txBody>
+      </p:sp>
+      <p:sp>
+        <p:nvSpPr>
+          <p:cNvPr id="40962" name="Rectangle 2"/>
+          <p:cNvSpPr>
+            <a:spLocks noChangeArrowheads="1"/>
+          </p:cNvSpPr>
+          <p:nvPr/>
+        </p:nvSpPr>
+        <p:spPr bwMode="auto">
+          <a:xfrm>
+            <a:off x="0" y="0"/>
+            <a:ext cx="9144000" cy="0"/>
+          </a:xfrm>
+          <a:prstGeom prst="rect">
+            <a:avLst/>
+          </a:prstGeom>
+          <a:noFill/>
+          <a:ln w="9525">
+            <a:noFill/>
+            <a:miter lim="800000"/>
+            <a:headEnd/>
+            <a:tailEnd/>
+          </a:ln>
+          <a:effectLst/>
+        </p:spPr>
+        <p:txBody>
+          <a:bodyPr vert="horz" wrap="square" lIns="91440" tIns="45720" rIns="91440" bIns="45720" numCol="1" anchor="ctr" anchorCtr="0" compatLnSpc="1">
+            <a:prstTxWarp prst="textNoShape">
+              <a:avLst/>
+            </a:prstTxWarp>
+            <a:spAutoFit/>
+          </a:bodyPr>
+          <a:lstStyle/>
+          <a:p>
+            <a:endParaRPr lang="he-IL"/>
+          </a:p>
+        </p:txBody>
+      </p:sp>
+      <p:graphicFrame>
+        <p:nvGraphicFramePr>
+          <p:cNvPr id="40961" name="Object 1"/>
+          <p:cNvGraphicFramePr>
+            <a:graphicFrameLocks noChangeAspect="1"/>
+          </p:cNvGraphicFramePr>
+          <p:nvPr/>
+        </p:nvGraphicFramePr>
+        <p:xfrm>
+          <a:off x="457200" y="1752600"/>
+          <a:ext cx="8292335" cy="3733800"/>
+        </p:xfrm>
+        <a:graphic>
+          <a:graphicData uri="http://schemas.openxmlformats.org/presentationml/2006/ole">
+            <p:oleObj spid="_x0000_s40961" name="Visio" r:id="rId4" imgW="6340886" imgH="2851849" progId="Visio.Drawing.11">
+              <p:embed/>
+            </p:oleObj>
+          </a:graphicData>
+        </a:graphic>
+      </p:graphicFrame>
+    </p:spTree>
+  </p:cSld>
+  <p:clrMapOvr>
+    <a:masterClrMapping/>
+  </p:clrMapOvr>
+</p:sld>
+</file>
+
+<file path=ppt/slides/slide8.xml><?xml version="1.0" encoding="utf-8"?>
+<p:sld xmlns:a="http://schemas.openxmlformats.org/drawingml/2006/main" xmlns:r="http://schemas.openxmlformats.org/officeDocument/2006/relationships" xmlns:p="http://schemas.openxmlformats.org/presentationml/2006/main">
+  <p:cSld>
+    <p:spTree>
+      <p:nvGrpSpPr>
+        <p:cNvPr id="1" name=""/>
+        <p:cNvGrpSpPr/>
+        <p:nvPr/>
+      </p:nvGrpSpPr>
+      <p:grpSpPr>
+        <a:xfrm>
+          <a:off x="0" y="0"/>
+          <a:ext cx="0" cy="0"/>
+          <a:chOff x="0" y="0"/>
+          <a:chExt cx="0" cy="0"/>
+        </a:xfrm>
+      </p:grpSpPr>
+      <p:sp>
+        <p:nvSpPr>
+          <p:cNvPr id="2" name="Title 1"/>
+          <p:cNvSpPr>
+            <a:spLocks noGrp="1"/>
+          </p:cNvSpPr>
+          <p:nvPr>
+            <p:ph type="title"/>
+          </p:nvPr>
+        </p:nvSpPr>
+        <p:spPr/>
+        <p:txBody>
+          <a:bodyPr/>
+          <a:lstStyle/>
+          <a:p>
+            <a:r>
+              <a:rPr lang="he-IL" dirty="0" smtClean="0"/>
+              <a:t>תכנון - המשך</a:t>
+            </a:r>
+            <a:endParaRPr lang="he-IL" dirty="0"/>
+          </a:p>
+        </p:txBody>
+      </p:sp>
+      <p:sp>
+        <p:nvSpPr>
+          <p:cNvPr id="45058" name="Rectangle 2"/>
+          <p:cNvSpPr>
+            <a:spLocks noChangeArrowheads="1"/>
+          </p:cNvSpPr>
+          <p:nvPr/>
+        </p:nvSpPr>
+        <p:spPr bwMode="auto">
+          <a:xfrm>
+            <a:off x="0" y="0"/>
+            <a:ext cx="9144000" cy="0"/>
+          </a:xfrm>
+          <a:prstGeom prst="rect">
+            <a:avLst/>
+          </a:prstGeom>
+          <a:noFill/>
+          <a:ln w="9525">
+            <a:noFill/>
+            <a:miter lim="800000"/>
+            <a:headEnd/>
+            <a:tailEnd/>
+          </a:ln>
+          <a:effectLst/>
+        </p:spPr>
+        <p:txBody>
+          <a:bodyPr vert="horz" wrap="none" lIns="91440" tIns="45720" rIns="91440" bIns="45720" numCol="1" anchor="ctr" anchorCtr="0" compatLnSpc="1">
+            <a:prstTxWarp prst="textNoShape">
+              <a:avLst/>
+            </a:prstTxWarp>
+            <a:spAutoFit/>
+          </a:bodyPr>
+          <a:lstStyle/>
+          <a:p>
+            <a:endParaRPr lang="he-IL"/>
+          </a:p>
+        </p:txBody>
+      </p:sp>
+      <p:graphicFrame>
+        <p:nvGraphicFramePr>
+          <p:cNvPr id="45057" name="Object 1"/>
+          <p:cNvGraphicFramePr>
+            <a:graphicFrameLocks noChangeAspect="1"/>
+          </p:cNvGraphicFramePr>
+          <p:nvPr/>
+        </p:nvGraphicFramePr>
+        <p:xfrm>
+          <a:off x="3886200" y="2362200"/>
+          <a:ext cx="4781550" cy="2181225"/>
+        </p:xfrm>
+        <a:graphic>
+          <a:graphicData uri="http://schemas.openxmlformats.org/presentationml/2006/ole">
+            <p:oleObj spid="_x0000_s45057" name="Visio" r:id="rId4" imgW="4777899" imgH="2203634" progId="Visio.Drawing.11">
+              <p:embed/>
+            </p:oleObj>
+          </a:graphicData>
+        </a:graphic>
+      </p:graphicFrame>
+      <p:sp>
+        <p:nvSpPr>
+          <p:cNvPr id="45060" name="Rectangle 4"/>
+          <p:cNvSpPr>
+            <a:spLocks noChangeArrowheads="1"/>
+          </p:cNvSpPr>
+          <p:nvPr/>
+        </p:nvSpPr>
+        <p:spPr bwMode="auto">
+          <a:xfrm>
+            <a:off x="0" y="0"/>
+            <a:ext cx="9144000" cy="0"/>
+          </a:xfrm>
+          <a:prstGeom prst="rect">
+            <a:avLst/>
+          </a:prstGeom>
+          <a:noFill/>
+          <a:ln w="9525">
+            <a:noFill/>
+            <a:miter lim="800000"/>
+            <a:headEnd/>
+            <a:tailEnd/>
+          </a:ln>
+          <a:effectLst/>
+        </p:spPr>
+        <p:txBody>
+          <a:bodyPr vert="horz" wrap="none" lIns="91440" tIns="45720" rIns="91440" bIns="45720" numCol="1" anchor="ctr" anchorCtr="0" compatLnSpc="1">
+            <a:prstTxWarp prst="textNoShape">
+              <a:avLst/>
+            </a:prstTxWarp>
+            <a:spAutoFit/>
+          </a:bodyPr>
+          <a:lstStyle/>
+          <a:p>
+            <a:endParaRPr lang="he-IL"/>
+          </a:p>
+        </p:txBody>
+      </p:sp>
+      <p:sp>
+        <p:nvSpPr>
+          <p:cNvPr id="8" name="TextBox 7"/>
+          <p:cNvSpPr txBox="1"/>
+          <p:nvPr/>
+        </p:nvSpPr>
+        <p:spPr>
+          <a:xfrm>
+            <a:off x="6781800" y="1676401"/>
+            <a:ext cx="1981200" cy="646331"/>
+          </a:xfrm>
+          <a:prstGeom prst="rect">
+            <a:avLst/>
+          </a:prstGeom>
+          <a:noFill/>
+        </p:spPr>
+        <p:txBody>
+          <a:bodyPr wrap="square" rtlCol="1">
+            <a:spAutoFit/>
+          </a:bodyPr>
+          <a:lstStyle/>
+          <a:p>
+            <a:r>
+              <a:rPr lang="he-IL" dirty="0" smtClean="0"/>
+              <a:t>מיפוי אלמנטים:</a:t>
+            </a:r>
+            <a:endParaRPr lang="en-US" dirty="0" smtClean="0"/>
+          </a:p>
+          <a:p>
+            <a:endParaRPr lang="he-IL" dirty="0"/>
+          </a:p>
+        </p:txBody>
+      </p:sp>
+    </p:spTree>
+  </p:cSld>
+  <p:clrMapOvr>
+    <a:masterClrMapping/>
+  </p:clrMapOvr>
+</p:sld>
+</file>
+
+<file path=ppt/slides/slide9.xml><?xml version="1.0" encoding="utf-8"?>
+<p:sld xmlns:a="http://schemas.openxmlformats.org/drawingml/2006/main" xmlns:r="http://schemas.openxmlformats.org/officeDocument/2006/relationships" xmlns:p="http://schemas.openxmlformats.org/presentationml/2006/main">
+  <p:cSld>
+    <p:spTree>
+      <p:nvGrpSpPr>
+        <p:cNvPr id="1" name=""/>
+        <p:cNvGrpSpPr/>
+        <p:nvPr/>
+      </p:nvGrpSpPr>
+      <p:grpSpPr>
+        <a:xfrm>
+          <a:off x="0" y="0"/>
+          <a:ext cx="0" cy="0"/>
+          <a:chOff x="0" y="0"/>
+          <a:chExt cx="0" cy="0"/>
+        </a:xfrm>
+      </p:grpSpPr>
+      <p:sp>
+        <p:nvSpPr>
+          <p:cNvPr id="2" name="Title 1"/>
+          <p:cNvSpPr>
+            <a:spLocks noGrp="1"/>
+          </p:cNvSpPr>
+          <p:nvPr>
+            <p:ph type="title"/>
+          </p:nvPr>
+        </p:nvSpPr>
+        <p:spPr/>
+        <p:txBody>
+          <a:bodyPr/>
+          <a:lstStyle/>
+          <a:p>
+            <a:r>
+              <a:rPr lang="he-IL" dirty="0" smtClean="0"/>
+              <a:t>תכנון - המשך</a:t>
+            </a:r>
+            <a:endParaRPr lang="he-IL" dirty="0"/>
+          </a:p>
+        </p:txBody>
+      </p:sp>
+      <p:sp>
+        <p:nvSpPr>
+          <p:cNvPr id="47106" name="Rectangle 2"/>
+          <p:cNvSpPr>
+            <a:spLocks noChangeArrowheads="1"/>
+          </p:cNvSpPr>
+          <p:nvPr/>
+        </p:nvSpPr>
+        <p:spPr bwMode="auto">
+          <a:xfrm>
+            <a:off x="0" y="0"/>
+            <a:ext cx="9144000" cy="0"/>
+          </a:xfrm>
+          <a:prstGeom prst="rect">
+            <a:avLst/>
+          </a:prstGeom>
+          <a:noFill/>
+          <a:ln w="9525">
+            <a:noFill/>
+            <a:miter lim="800000"/>
+            <a:headEnd/>
+            <a:tailEnd/>
+          </a:ln>
+          <a:effectLst/>
+        </p:spPr>
+        <p:txBody>
+          <a:bodyPr vert="horz" wrap="none" lIns="91440" tIns="45720" rIns="91440" bIns="45720" numCol="1" anchor="ctr" anchorCtr="0" compatLnSpc="1">
+            <a:prstTxWarp prst="textNoShape">
+              <a:avLst/>
+            </a:prstTxWarp>
+            <a:spAutoFit/>
+          </a:bodyPr>
+          <a:lstStyle/>
+          <a:p>
+            <a:endParaRPr lang="he-IL"/>
+          </a:p>
+        </p:txBody>
+      </p:sp>
+      <p:graphicFrame>
+        <p:nvGraphicFramePr>
+          <p:cNvPr id="47105" name="Object 1"/>
+          <p:cNvGraphicFramePr>
+            <a:graphicFrameLocks noChangeAspect="1"/>
+          </p:cNvGraphicFramePr>
+          <p:nvPr/>
+        </p:nvGraphicFramePr>
+        <p:xfrm>
+          <a:off x="3657600" y="2895600"/>
+          <a:ext cx="4486275" cy="2171700"/>
+        </p:xfrm>
+        <a:graphic>
+          <a:graphicData uri="http://schemas.openxmlformats.org/presentationml/2006/ole">
+            <p:oleObj spid="_x0000_s47105" name="Visio" r:id="rId4" imgW="4500283" imgH="2190945" progId="Visio.Drawing.11">
+              <p:embed/>
+            </p:oleObj>
+          </a:graphicData>
+        </a:graphic>
+      </p:graphicFrame>
+      <p:sp>
+        <p:nvSpPr>
+          <p:cNvPr id="6" name="TextBox 5"/>
+          <p:cNvSpPr txBox="1"/>
+          <p:nvPr/>
+        </p:nvSpPr>
+        <p:spPr>
+          <a:xfrm>
+            <a:off x="2590800" y="1828800"/>
+            <a:ext cx="5867400" cy="646331"/>
+          </a:xfrm>
+          <a:prstGeom prst="rect">
+            <a:avLst/>
+          </a:prstGeom>
+          <a:noFill/>
+        </p:spPr>
+        <p:txBody>
+          <a:bodyPr wrap="square" rtlCol="1">
+            <a:spAutoFit/>
+          </a:bodyPr>
+          <a:lstStyle/>
+          <a:p>
+            <a:r>
+              <a:rPr lang="he-IL" dirty="0" smtClean="0"/>
+              <a:t>עריכת מפת אלמנטים:</a:t>
+            </a:r>
+            <a:endParaRPr lang="en-US" dirty="0" smtClean="0"/>
           </a:p>
           <a:p>
             <a:endParaRPr lang="he-IL" dirty="0"/>
